--- a/anaconda.pptx
+++ b/anaconda.pptx
@@ -5,16 +5,18 @@
     <p:sldMasterId id="2147483673" r:id="rId1"/>
   </p:sldMasterIdLst>
   <p:notesMasterIdLst>
-    <p:notesMasterId r:id="rId9"/>
+    <p:notesMasterId r:id="rId11"/>
   </p:notesMasterIdLst>
   <p:sldIdLst>
     <p:sldId id="1210" r:id="rId2"/>
-    <p:sldId id="1213" r:id="rId3"/>
-    <p:sldId id="1214" r:id="rId4"/>
-    <p:sldId id="1217" r:id="rId5"/>
-    <p:sldId id="1216" r:id="rId6"/>
-    <p:sldId id="1220" r:id="rId7"/>
-    <p:sldId id="1218" r:id="rId8"/>
+    <p:sldId id="1222" r:id="rId3"/>
+    <p:sldId id="1216" r:id="rId4"/>
+    <p:sldId id="1220" r:id="rId5"/>
+    <p:sldId id="1218" r:id="rId6"/>
+    <p:sldId id="1223" r:id="rId7"/>
+    <p:sldId id="1224" r:id="rId8"/>
+    <p:sldId id="1221" r:id="rId9"/>
+    <p:sldId id="1217" r:id="rId10"/>
   </p:sldIdLst>
   <p:sldSz cx="12192000" cy="6858000"/>
   <p:notesSz cx="6858000" cy="9144000"/>
@@ -203,7 +205,7 @@
           <a:p>
             <a:fld id="{B176FF22-B1CA-4671-AC40-D6AD1168A308}" type="datetimeFigureOut">
               <a:rPr kumimoji="1" lang="ja-JP" altLang="en-US" smtClean="0"/>
-              <a:t>2024/3/27</a:t>
+              <a:t>2024/4/8</a:t>
             </a:fld>
             <a:endParaRPr kumimoji="1" lang="ja-JP" altLang="en-US"/>
           </a:p>
@@ -633,7 +635,7 @@
           <a:p>
             <a:fld id="{2ABC02D7-CBD1-4D33-B166-78A898DF0F76}" type="datetimeFigureOut">
               <a:rPr kumimoji="1" lang="ja-JP" altLang="en-US" smtClean="0"/>
-              <a:t>2024/3/27</a:t>
+              <a:t>2024/4/8</a:t>
             </a:fld>
             <a:endParaRPr kumimoji="1" lang="ja-JP" altLang="en-US"/>
           </a:p>
@@ -835,7 +837,7 @@
           <a:p>
             <a:fld id="{2ABC02D7-CBD1-4D33-B166-78A898DF0F76}" type="datetimeFigureOut">
               <a:rPr kumimoji="1" lang="ja-JP" altLang="en-US" smtClean="0"/>
-              <a:t>2024/3/27</a:t>
+              <a:t>2024/4/8</a:t>
             </a:fld>
             <a:endParaRPr kumimoji="1" lang="ja-JP" altLang="en-US"/>
           </a:p>
@@ -1047,7 +1049,7 @@
           <a:p>
             <a:fld id="{2ABC02D7-CBD1-4D33-B166-78A898DF0F76}" type="datetimeFigureOut">
               <a:rPr kumimoji="1" lang="ja-JP" altLang="en-US" smtClean="0"/>
-              <a:t>2024/3/27</a:t>
+              <a:t>2024/4/8</a:t>
             </a:fld>
             <a:endParaRPr kumimoji="1" lang="ja-JP" altLang="en-US"/>
           </a:p>
@@ -1280,7 +1282,7 @@
           <a:p>
             <a:fld id="{2ABC02D7-CBD1-4D33-B166-78A898DF0F76}" type="datetimeFigureOut">
               <a:rPr kumimoji="1" lang="ja-JP" altLang="en-US" smtClean="0"/>
-              <a:t>2024/3/27</a:t>
+              <a:t>2024/4/8</a:t>
             </a:fld>
             <a:endParaRPr kumimoji="1" lang="ja-JP" altLang="en-US"/>
           </a:p>
@@ -1526,7 +1528,7 @@
           <a:p>
             <a:fld id="{2ABC02D7-CBD1-4D33-B166-78A898DF0F76}" type="datetimeFigureOut">
               <a:rPr kumimoji="1" lang="ja-JP" altLang="en-US" smtClean="0"/>
-              <a:t>2024/3/27</a:t>
+              <a:t>2024/4/8</a:t>
             </a:fld>
             <a:endParaRPr kumimoji="1" lang="ja-JP" altLang="en-US"/>
           </a:p>
@@ -1822,7 +1824,7 @@
           <a:p>
             <a:fld id="{2ABC02D7-CBD1-4D33-B166-78A898DF0F76}" type="datetimeFigureOut">
               <a:rPr kumimoji="1" lang="ja-JP" altLang="en-US" smtClean="0"/>
-              <a:t>2024/3/27</a:t>
+              <a:t>2024/4/8</a:t>
             </a:fld>
             <a:endParaRPr kumimoji="1" lang="ja-JP" altLang="en-US"/>
           </a:p>
@@ -2253,7 +2255,7 @@
           <a:p>
             <a:fld id="{2ABC02D7-CBD1-4D33-B166-78A898DF0F76}" type="datetimeFigureOut">
               <a:rPr kumimoji="1" lang="ja-JP" altLang="en-US" smtClean="0"/>
-              <a:t>2024/3/27</a:t>
+              <a:t>2024/4/8</a:t>
             </a:fld>
             <a:endParaRPr kumimoji="1" lang="ja-JP" altLang="en-US"/>
           </a:p>
@@ -2371,7 +2373,7 @@
           <a:p>
             <a:fld id="{2ABC02D7-CBD1-4D33-B166-78A898DF0F76}" type="datetimeFigureOut">
               <a:rPr kumimoji="1" lang="ja-JP" altLang="en-US" smtClean="0"/>
-              <a:t>2024/3/27</a:t>
+              <a:t>2024/4/8</a:t>
             </a:fld>
             <a:endParaRPr kumimoji="1" lang="ja-JP" altLang="en-US"/>
           </a:p>
@@ -2466,7 +2468,7 @@
           <a:p>
             <a:fld id="{2ABC02D7-CBD1-4D33-B166-78A898DF0F76}" type="datetimeFigureOut">
               <a:rPr kumimoji="1" lang="ja-JP" altLang="en-US" smtClean="0"/>
-              <a:t>2024/3/27</a:t>
+              <a:t>2024/4/8</a:t>
             </a:fld>
             <a:endParaRPr kumimoji="1" lang="ja-JP" altLang="en-US"/>
           </a:p>
@@ -2775,7 +2777,7 @@
           <a:p>
             <a:fld id="{2ABC02D7-CBD1-4D33-B166-78A898DF0F76}" type="datetimeFigureOut">
               <a:rPr kumimoji="1" lang="ja-JP" altLang="en-US" smtClean="0"/>
-              <a:t>2024/3/27</a:t>
+              <a:t>2024/4/8</a:t>
             </a:fld>
             <a:endParaRPr kumimoji="1" lang="ja-JP" altLang="en-US"/>
           </a:p>
@@ -3032,7 +3034,7 @@
           <a:p>
             <a:fld id="{2ABC02D7-CBD1-4D33-B166-78A898DF0F76}" type="datetimeFigureOut">
               <a:rPr kumimoji="1" lang="ja-JP" altLang="en-US" smtClean="0"/>
-              <a:t>2024/3/27</a:t>
+              <a:t>2024/4/8</a:t>
             </a:fld>
             <a:endParaRPr kumimoji="1" lang="ja-JP" altLang="en-US"/>
           </a:p>
@@ -3277,7 +3279,7 @@
           <a:p>
             <a:fld id="{2ABC02D7-CBD1-4D33-B166-78A898DF0F76}" type="datetimeFigureOut">
               <a:rPr kumimoji="1" lang="ja-JP" altLang="en-US" smtClean="0"/>
-              <a:t>2024/3/27</a:t>
+              <a:t>2024/4/8</a:t>
             </a:fld>
             <a:endParaRPr kumimoji="1" lang="ja-JP" altLang="en-US"/>
           </a:p>
@@ -3799,12 +3801,42 @@
           <a:chExt cx="0" cy="0"/>
         </a:xfrm>
       </p:grpSpPr>
-      <p:sp>
-        <p:nvSpPr>
-          <p:cNvPr id="2" name="テキスト ボックス 1">
+      <p:pic>
+        <p:nvPicPr>
+          <p:cNvPr id="3" name="図 2">
             <a:extLst>
               <a:ext uri="{FF2B5EF4-FFF2-40B4-BE49-F238E27FC236}">
-                <a16:creationId xmlns:a16="http://schemas.microsoft.com/office/drawing/2014/main" id="{4F5D20F8-CE28-79D8-1BB7-A9134C086363}"/>
+                <a16:creationId xmlns:a16="http://schemas.microsoft.com/office/drawing/2014/main" id="{90B18730-A370-C33E-EC64-64FD04C78313}"/>
+              </a:ext>
+            </a:extLst>
+          </p:cNvPr>
+          <p:cNvPicPr>
+            <a:picLocks noChangeAspect="1"/>
+          </p:cNvPicPr>
+          <p:nvPr/>
+        </p:nvPicPr>
+        <p:blipFill>
+          <a:blip r:embed="rId2"/>
+          <a:stretch>
+            <a:fillRect/>
+          </a:stretch>
+        </p:blipFill>
+        <p:spPr>
+          <a:xfrm>
+            <a:off x="1161622" y="1508238"/>
+            <a:ext cx="9868755" cy="5296359"/>
+          </a:xfrm>
+          <a:prstGeom prst="rect">
+            <a:avLst/>
+          </a:prstGeom>
+        </p:spPr>
+      </p:pic>
+      <p:sp>
+        <p:nvSpPr>
+          <p:cNvPr id="4" name="テキスト ボックス 3">
+            <a:extLst>
+              <a:ext uri="{FF2B5EF4-FFF2-40B4-BE49-F238E27FC236}">
+                <a16:creationId xmlns:a16="http://schemas.microsoft.com/office/drawing/2014/main" id="{41CD5729-0EB3-756A-27B1-DD637FC7FF2F}"/>
               </a:ext>
             </a:extLst>
           </p:cNvPr>
@@ -3813,8 +3845,8 @@
         </p:nvSpPr>
         <p:spPr>
           <a:xfrm>
-            <a:off x="251927" y="429208"/>
-            <a:ext cx="10677090" cy="584775"/>
+            <a:off x="401217" y="307909"/>
+            <a:ext cx="8305222" cy="1200329"/>
           </a:xfrm>
           <a:prstGeom prst="rect">
             <a:avLst/>
@@ -3827,87 +3859,64 @@
           </a:bodyPr>
           <a:lstStyle/>
           <a:p>
-            <a:pPr algn="l"/>
-            <a:r>
-              <a:rPr kumimoji="1" lang="ja-JP" altLang="en-US" sz="3200" dirty="0">
-                <a:latin typeface="メイリオ" panose="020B0604030504040204" pitchFamily="50" charset="-128"/>
-                <a:ea typeface="メイリオ" panose="020B0604030504040204" pitchFamily="50" charset="-128"/>
-              </a:rPr>
-              <a:t>コマンドラインからの</a:t>
-            </a:r>
-            <a:r>
-              <a:rPr kumimoji="1" lang="en-US" altLang="ja-JP" sz="3200" dirty="0">
-                <a:latin typeface="メイリオ" panose="020B0604030504040204" pitchFamily="50" charset="-128"/>
-                <a:ea typeface="メイリオ" panose="020B0604030504040204" pitchFamily="50" charset="-128"/>
-              </a:rPr>
-              <a:t>python</a:t>
-            </a:r>
-            <a:r>
-              <a:rPr kumimoji="1" lang="ja-JP" altLang="en-US" sz="3200" dirty="0">
-                <a:latin typeface="メイリオ" panose="020B0604030504040204" pitchFamily="50" charset="-128"/>
-                <a:ea typeface="メイリオ" panose="020B0604030504040204" pitchFamily="50" charset="-128"/>
-              </a:rPr>
-              <a:t>には</a:t>
-            </a:r>
-            <a:r>
-              <a:rPr kumimoji="1" lang="en-US" altLang="ja-JP" sz="3200" dirty="0">
-                <a:latin typeface="メイリオ" panose="020B0604030504040204" pitchFamily="50" charset="-128"/>
-                <a:ea typeface="メイリオ" panose="020B0604030504040204" pitchFamily="50" charset="-128"/>
-              </a:rPr>
-              <a:t>path</a:t>
-            </a:r>
-            <a:r>
-              <a:rPr kumimoji="1" lang="ja-JP" altLang="en-US" sz="3200" dirty="0">
-                <a:latin typeface="メイリオ" panose="020B0604030504040204" pitchFamily="50" charset="-128"/>
-                <a:ea typeface="メイリオ" panose="020B0604030504040204" pitchFamily="50" charset="-128"/>
-              </a:rPr>
-              <a:t>を通す必要がある</a:t>
-            </a:r>
-          </a:p>
-        </p:txBody>
-      </p:sp>
-      <p:sp>
-        <p:nvSpPr>
-          <p:cNvPr id="3" name="テキスト ボックス 2">
-            <a:extLst>
-              <a:ext uri="{FF2B5EF4-FFF2-40B4-BE49-F238E27FC236}">
-                <a16:creationId xmlns:a16="http://schemas.microsoft.com/office/drawing/2014/main" id="{D112E731-9D51-07D3-7075-2B3320156C1C}"/>
-              </a:ext>
-            </a:extLst>
-          </p:cNvPr>
-          <p:cNvSpPr txBox="1"/>
-          <p:nvPr/>
-        </p:nvSpPr>
-        <p:spPr>
-          <a:xfrm>
-            <a:off x="326572" y="1156996"/>
-            <a:ext cx="11203708" cy="1200329"/>
-          </a:xfrm>
-          <a:prstGeom prst="rect">
-            <a:avLst/>
-          </a:prstGeom>
-          <a:noFill/>
-        </p:spPr>
-        <p:txBody>
-          <a:bodyPr wrap="none" rtlCol="0">
-            <a:spAutoFit/>
-          </a:bodyPr>
-          <a:lstStyle/>
-          <a:p>
-            <a:pPr algn="l"/>
+            <a:pPr marL="457200" indent="-457200" algn="l">
+              <a:buFont typeface="+mj-lt"/>
+              <a:buAutoNum type="arabicPeriod"/>
+            </a:pPr>
             <a:r>
               <a:rPr kumimoji="1" lang="en-US" altLang="ja-JP" sz="2400" dirty="0">
                 <a:latin typeface="メイリオ" panose="020B0604030504040204" pitchFamily="50" charset="-128"/>
                 <a:ea typeface="メイリオ" panose="020B0604030504040204" pitchFamily="50" charset="-128"/>
               </a:rPr>
-              <a:t>CUI</a:t>
+              <a:t>Anaconda </a:t>
             </a:r>
             <a:r>
               <a:rPr kumimoji="1" lang="ja-JP" altLang="en-US" sz="2400" dirty="0">
                 <a:latin typeface="メイリオ" panose="020B0604030504040204" pitchFamily="50" charset="-128"/>
                 <a:ea typeface="メイリオ" panose="020B0604030504040204" pitchFamily="50" charset="-128"/>
               </a:rPr>
-              <a:t>ベースでプログラムを動かすには、そのプログラムがどこにあるのかを予め</a:t>
+              <a:t>でググって、以下のページから</a:t>
+            </a:r>
+            <a:r>
+              <a:rPr kumimoji="1" lang="en-US" altLang="ja-JP" sz="2400" dirty="0">
+                <a:latin typeface="メイリオ" panose="020B0604030504040204" pitchFamily="50" charset="-128"/>
+                <a:ea typeface="メイリオ" panose="020B0604030504040204" pitchFamily="50" charset="-128"/>
+              </a:rPr>
+              <a:t>Download</a:t>
+            </a:r>
+          </a:p>
+          <a:p>
+            <a:pPr marL="457200" indent="-457200" algn="l">
+              <a:buFont typeface="+mj-lt"/>
+              <a:buAutoNum type="arabicPeriod"/>
+            </a:pPr>
+            <a:r>
+              <a:rPr kumimoji="1" lang="en-US" altLang="ja-JP" sz="2400" dirty="0">
+                <a:latin typeface="メイリオ" panose="020B0604030504040204" pitchFamily="50" charset="-128"/>
+                <a:ea typeface="メイリオ" panose="020B0604030504040204" pitchFamily="50" charset="-128"/>
+              </a:rPr>
+              <a:t>Download</a:t>
+            </a:r>
+            <a:r>
+              <a:rPr kumimoji="1" lang="ja-JP" altLang="en-US" sz="2400" dirty="0">
+                <a:latin typeface="メイリオ" panose="020B0604030504040204" pitchFamily="50" charset="-128"/>
+                <a:ea typeface="メイリオ" panose="020B0604030504040204" pitchFamily="50" charset="-128"/>
+              </a:rPr>
+              <a:t>が終わったら</a:t>
+            </a:r>
+            <a:r>
+              <a:rPr kumimoji="1" lang="en-US" altLang="ja-JP" sz="2400" dirty="0">
+                <a:latin typeface="メイリオ" panose="020B0604030504040204" pitchFamily="50" charset="-128"/>
+                <a:ea typeface="メイリオ" panose="020B0604030504040204" pitchFamily="50" charset="-128"/>
+              </a:rPr>
+              <a:t>.exe</a:t>
+            </a:r>
+            <a:r>
+              <a:rPr kumimoji="1" lang="ja-JP" altLang="en-US" sz="2400" dirty="0">
+                <a:latin typeface="メイリオ" panose="020B0604030504040204" pitchFamily="50" charset="-128"/>
+                <a:ea typeface="メイリオ" panose="020B0604030504040204" pitchFamily="50" charset="-128"/>
+              </a:rPr>
+              <a:t>を実行してイストール開始</a:t>
             </a:r>
             <a:endParaRPr kumimoji="1" lang="en-US" altLang="ja-JP" sz="2400" dirty="0">
               <a:latin typeface="メイリオ" panose="020B0604030504040204" pitchFamily="50" charset="-128"/>
@@ -3915,34 +3924,16 @@
             </a:endParaRPr>
           </a:p>
           <a:p>
-            <a:pPr algn="l"/>
+            <a:pPr marL="457200" indent="-457200" algn="l">
+              <a:buFont typeface="+mj-lt"/>
+              <a:buAutoNum type="arabicPeriod"/>
+            </a:pPr>
             <a:r>
               <a:rPr kumimoji="1" lang="ja-JP" altLang="en-US" sz="2400" dirty="0">
                 <a:latin typeface="メイリオ" panose="020B0604030504040204" pitchFamily="50" charset="-128"/>
                 <a:ea typeface="メイリオ" panose="020B0604030504040204" pitchFamily="50" charset="-128"/>
               </a:rPr>
-              <a:t>コンピュータに教えないと動かない</a:t>
-            </a:r>
-            <a:endParaRPr kumimoji="1" lang="en-US" altLang="ja-JP" sz="2400" dirty="0">
-              <a:latin typeface="メイリオ" panose="020B0604030504040204" pitchFamily="50" charset="-128"/>
-              <a:ea typeface="メイリオ" panose="020B0604030504040204" pitchFamily="50" charset="-128"/>
-            </a:endParaRPr>
-          </a:p>
-          <a:p>
-            <a:pPr algn="l"/>
-            <a:r>
-              <a:rPr kumimoji="1" lang="en-US" altLang="ja-JP" sz="2400" dirty="0">
-                <a:latin typeface="メイリオ" panose="020B0604030504040204" pitchFamily="50" charset="-128"/>
-                <a:ea typeface="メイリオ" panose="020B0604030504040204" pitchFamily="50" charset="-128"/>
-              </a:rPr>
-              <a:t>Anaconda(python)</a:t>
-            </a:r>
-            <a:r>
-              <a:rPr kumimoji="1" lang="ja-JP" altLang="en-US" sz="2400" dirty="0">
-                <a:latin typeface="メイリオ" panose="020B0604030504040204" pitchFamily="50" charset="-128"/>
-                <a:ea typeface="メイリオ" panose="020B0604030504040204" pitchFamily="50" charset="-128"/>
-              </a:rPr>
-              <a:t>のパスの登録は以下のようになるが。とても面倒。</a:t>
+              <a:t>次頁以降の画面に注意してインストール</a:t>
             </a:r>
           </a:p>
         </p:txBody>
@@ -3950,7 +3941,7 @@
     </p:spTree>
     <p:extLst>
       <p:ext uri="{BB962C8B-B14F-4D97-AF65-F5344CB8AC3E}">
-        <p14:creationId xmlns:p14="http://schemas.microsoft.com/office/powerpoint/2010/main" val="1743552055"/>
+        <p14:creationId xmlns:p14="http://schemas.microsoft.com/office/powerpoint/2010/main" val="1794273323"/>
       </p:ext>
     </p:extLst>
   </p:cSld>
@@ -3978,12 +3969,42 @@
           <a:chExt cx="0" cy="0"/>
         </a:xfrm>
       </p:grpSpPr>
-      <p:sp>
-        <p:nvSpPr>
-          <p:cNvPr id="2" name="テキスト ボックス 1">
+      <p:pic>
+        <p:nvPicPr>
+          <p:cNvPr id="4" name="図 3">
             <a:extLst>
               <a:ext uri="{FF2B5EF4-FFF2-40B4-BE49-F238E27FC236}">
-                <a16:creationId xmlns:a16="http://schemas.microsoft.com/office/drawing/2014/main" id="{F455D3FF-CE51-C9DF-DD22-96E914C6E557}"/>
+                <a16:creationId xmlns:a16="http://schemas.microsoft.com/office/drawing/2014/main" id="{C824CEC8-78CA-8101-F174-D306953D0658}"/>
+              </a:ext>
+            </a:extLst>
+          </p:cNvPr>
+          <p:cNvPicPr>
+            <a:picLocks noChangeAspect="1"/>
+          </p:cNvPicPr>
+          <p:nvPr/>
+        </p:nvPicPr>
+        <p:blipFill>
+          <a:blip r:embed="rId2"/>
+          <a:stretch>
+            <a:fillRect/>
+          </a:stretch>
+        </p:blipFill>
+        <p:spPr>
+          <a:xfrm>
+            <a:off x="2608295" y="1259535"/>
+            <a:ext cx="7124700" cy="5495925"/>
+          </a:xfrm>
+          <a:prstGeom prst="rect">
+            <a:avLst/>
+          </a:prstGeom>
+        </p:spPr>
+      </p:pic>
+      <p:sp>
+        <p:nvSpPr>
+          <p:cNvPr id="5" name="テキスト ボックス 4">
+            <a:extLst>
+              <a:ext uri="{FF2B5EF4-FFF2-40B4-BE49-F238E27FC236}">
+                <a16:creationId xmlns:a16="http://schemas.microsoft.com/office/drawing/2014/main" id="{1D00AEB7-6DA3-132A-D5B3-CC207726AA27}"/>
               </a:ext>
             </a:extLst>
           </p:cNvPr>
@@ -3992,8 +4013,8 @@
         </p:nvSpPr>
         <p:spPr>
           <a:xfrm>
-            <a:off x="431629" y="457200"/>
-            <a:ext cx="11287620" cy="954107"/>
+            <a:off x="2995127" y="816227"/>
+            <a:ext cx="5726248" cy="461665"/>
           </a:xfrm>
           <a:prstGeom prst="rect">
             <a:avLst/>
@@ -4001,104 +4022,47 @@
           <a:noFill/>
         </p:spPr>
         <p:txBody>
-          <a:bodyPr wrap="square" rtlCol="0">
+          <a:bodyPr wrap="none" rtlCol="0">
             <a:spAutoFit/>
           </a:bodyPr>
           <a:lstStyle/>
           <a:p>
             <a:pPr algn="l"/>
             <a:r>
-              <a:rPr kumimoji="1" lang="ja-JP" altLang="en-US" sz="2800" dirty="0">
+              <a:rPr kumimoji="1" lang="en-US" altLang="ja-JP" sz="2400" dirty="0">
                 <a:latin typeface="メイリオ" panose="020B0604030504040204" pitchFamily="50" charset="-128"/>
                 <a:ea typeface="メイリオ" panose="020B0604030504040204" pitchFamily="50" charset="-128"/>
               </a:rPr>
-              <a:t>簡単な方法は、</a:t>
-            </a:r>
-            <a:r>
-              <a:rPr kumimoji="1" lang="en-US" altLang="ja-JP" sz="2800" dirty="0">
+              <a:t>Just me</a:t>
+            </a:r>
+            <a:r>
+              <a:rPr kumimoji="1" lang="ja-JP" altLang="en-US" sz="2400" dirty="0">
                 <a:latin typeface="メイリオ" panose="020B0604030504040204" pitchFamily="50" charset="-128"/>
                 <a:ea typeface="メイリオ" panose="020B0604030504040204" pitchFamily="50" charset="-128"/>
               </a:rPr>
-              <a:t>anaconda </a:t>
-            </a:r>
-            <a:r>
-              <a:rPr kumimoji="1" lang="ja-JP" altLang="en-US" sz="2800" dirty="0">
-                <a:latin typeface="メイリオ" panose="020B0604030504040204" pitchFamily="50" charset="-128"/>
-                <a:ea typeface="メイリオ" panose="020B0604030504040204" pitchFamily="50" charset="-128"/>
-              </a:rPr>
-              <a:t>を再インストールする際に</a:t>
-            </a:r>
-            <a:r>
-              <a:rPr kumimoji="1" lang="en-US" altLang="ja-JP" sz="2800" dirty="0">
+              <a:t>でないと</a:t>
+            </a:r>
+            <a:r>
+              <a:rPr kumimoji="1" lang="en-US" altLang="ja-JP" sz="2400" dirty="0">
                 <a:latin typeface="メイリオ" panose="020B0604030504040204" pitchFamily="50" charset="-128"/>
                 <a:ea typeface="メイリオ" panose="020B0604030504040204" pitchFamily="50" charset="-128"/>
               </a:rPr>
               <a:t>path</a:t>
             </a:r>
             <a:r>
-              <a:rPr kumimoji="1" lang="ja-JP" altLang="en-US" sz="2800" dirty="0">
-                <a:latin typeface="メイリオ" panose="020B0604030504040204" pitchFamily="50" charset="-128"/>
-                <a:ea typeface="メイリオ" panose="020B0604030504040204" pitchFamily="50" charset="-128"/>
-              </a:rPr>
-              <a:t>を自動認識させること</a:t>
-            </a:r>
-          </a:p>
-        </p:txBody>
-      </p:sp>
-      <p:sp>
-        <p:nvSpPr>
-          <p:cNvPr id="3" name="テキスト ボックス 2">
-            <a:extLst>
-              <a:ext uri="{FF2B5EF4-FFF2-40B4-BE49-F238E27FC236}">
-                <a16:creationId xmlns:a16="http://schemas.microsoft.com/office/drawing/2014/main" id="{426869E4-A508-663D-0FB2-9CED58338CEE}"/>
-              </a:ext>
-            </a:extLst>
-          </p:cNvPr>
-          <p:cNvSpPr txBox="1"/>
-          <p:nvPr/>
-        </p:nvSpPr>
-        <p:spPr>
-          <a:xfrm>
-            <a:off x="431629" y="1427583"/>
-            <a:ext cx="2672526" cy="461665"/>
-          </a:xfrm>
-          <a:prstGeom prst="rect">
-            <a:avLst/>
-          </a:prstGeom>
-          <a:noFill/>
-        </p:spPr>
-        <p:txBody>
-          <a:bodyPr wrap="none" rtlCol="0">
-            <a:spAutoFit/>
-          </a:bodyPr>
-          <a:lstStyle/>
-          <a:p>
-            <a:pPr algn="l"/>
-            <a:r>
               <a:rPr kumimoji="1" lang="ja-JP" altLang="en-US" sz="2400" dirty="0">
                 <a:latin typeface="メイリオ" panose="020B0604030504040204" pitchFamily="50" charset="-128"/>
                 <a:ea typeface="メイリオ" panose="020B0604030504040204" pitchFamily="50" charset="-128"/>
               </a:rPr>
-              <a:t>まずは、</a:t>
-            </a:r>
-            <a:r>
-              <a:rPr kumimoji="1" lang="en-US" altLang="ja-JP" sz="2400" dirty="0">
-                <a:latin typeface="メイリオ" panose="020B0604030504040204" pitchFamily="50" charset="-128"/>
-                <a:ea typeface="メイリオ" panose="020B0604030504040204" pitchFamily="50" charset="-128"/>
-              </a:rPr>
-              <a:t>uninstall</a:t>
-            </a:r>
-            <a:endParaRPr kumimoji="1" lang="ja-JP" altLang="en-US" sz="2400" dirty="0">
-              <a:latin typeface="メイリオ" panose="020B0604030504040204" pitchFamily="50" charset="-128"/>
-              <a:ea typeface="メイリオ" panose="020B0604030504040204" pitchFamily="50" charset="-128"/>
-            </a:endParaRPr>
+              <a:t>を自動で通せない</a:t>
+            </a:r>
           </a:p>
         </p:txBody>
       </p:sp>
     </p:spTree>
     <p:extLst>
       <p:ext uri="{BB962C8B-B14F-4D97-AF65-F5344CB8AC3E}">
-        <p14:creationId xmlns:p14="http://schemas.microsoft.com/office/powerpoint/2010/main" val="3830665579"/>
+        <p14:creationId xmlns:p14="http://schemas.microsoft.com/office/powerpoint/2010/main" val="411089143"/>
       </p:ext>
     </p:extLst>
   </p:cSld>
@@ -4110,6 +4074,984 @@
 </file>
 
 <file path=ppt/slides/slide4.xml><?xml version="1.0" encoding="utf-8"?>
+<p:sld xmlns:a="http://schemas.openxmlformats.org/drawingml/2006/main" xmlns:r="http://schemas.openxmlformats.org/officeDocument/2006/relationships" xmlns:p="http://schemas.openxmlformats.org/presentationml/2006/main">
+  <p:cSld>
+    <p:spTree>
+      <p:nvGrpSpPr>
+        <p:cNvPr id="1" name=""/>
+        <p:cNvGrpSpPr/>
+        <p:nvPr/>
+      </p:nvGrpSpPr>
+      <p:grpSpPr>
+        <a:xfrm>
+          <a:off x="0" y="0"/>
+          <a:ext cx="0" cy="0"/>
+          <a:chOff x="0" y="0"/>
+          <a:chExt cx="0" cy="0"/>
+        </a:xfrm>
+      </p:grpSpPr>
+      <p:pic>
+        <p:nvPicPr>
+          <p:cNvPr id="3" name="図 2">
+            <a:extLst>
+              <a:ext uri="{FF2B5EF4-FFF2-40B4-BE49-F238E27FC236}">
+                <a16:creationId xmlns:a16="http://schemas.microsoft.com/office/drawing/2014/main" id="{5C93202C-8864-8BF7-BEB5-FDEA9AE81B74}"/>
+              </a:ext>
+            </a:extLst>
+          </p:cNvPr>
+          <p:cNvPicPr>
+            <a:picLocks noChangeAspect="1"/>
+          </p:cNvPicPr>
+          <p:nvPr/>
+        </p:nvPicPr>
+        <p:blipFill>
+          <a:blip r:embed="rId2"/>
+          <a:stretch>
+            <a:fillRect/>
+          </a:stretch>
+        </p:blipFill>
+        <p:spPr>
+          <a:xfrm>
+            <a:off x="6313446" y="2210383"/>
+            <a:ext cx="5624440" cy="4339707"/>
+          </a:xfrm>
+          <a:prstGeom prst="rect">
+            <a:avLst/>
+          </a:prstGeom>
+        </p:spPr>
+      </p:pic>
+      <p:sp>
+        <p:nvSpPr>
+          <p:cNvPr id="4" name="テキスト ボックス 3">
+            <a:extLst>
+              <a:ext uri="{FF2B5EF4-FFF2-40B4-BE49-F238E27FC236}">
+                <a16:creationId xmlns:a16="http://schemas.microsoft.com/office/drawing/2014/main" id="{C22B58DA-2477-42F9-B003-A2A2AC18AF06}"/>
+              </a:ext>
+            </a:extLst>
+          </p:cNvPr>
+          <p:cNvSpPr txBox="1"/>
+          <p:nvPr/>
+        </p:nvSpPr>
+        <p:spPr>
+          <a:xfrm>
+            <a:off x="681135" y="466531"/>
+            <a:ext cx="11264622" cy="830997"/>
+          </a:xfrm>
+          <a:prstGeom prst="rect">
+            <a:avLst/>
+          </a:prstGeom>
+          <a:noFill/>
+        </p:spPr>
+        <p:txBody>
+          <a:bodyPr wrap="none" rtlCol="0">
+            <a:spAutoFit/>
+          </a:bodyPr>
+          <a:lstStyle/>
+          <a:p>
+            <a:pPr algn="l"/>
+            <a:r>
+              <a:rPr kumimoji="1" lang="ja-JP" altLang="en-US" sz="2400" dirty="0">
+                <a:latin typeface="メイリオ" panose="020B0604030504040204" pitchFamily="50" charset="-128"/>
+                <a:ea typeface="メイリオ" panose="020B0604030504040204" pitchFamily="50" charset="-128"/>
+              </a:rPr>
+              <a:t>ユーザーアカウントを日本語で登録していると正常にインストールできないので</a:t>
+            </a:r>
+            <a:endParaRPr kumimoji="1" lang="en-US" altLang="ja-JP" sz="2400" dirty="0">
+              <a:latin typeface="メイリオ" panose="020B0604030504040204" pitchFamily="50" charset="-128"/>
+              <a:ea typeface="メイリオ" panose="020B0604030504040204" pitchFamily="50" charset="-128"/>
+            </a:endParaRPr>
+          </a:p>
+          <a:p>
+            <a:pPr algn="l"/>
+            <a:r>
+              <a:rPr kumimoji="1" lang="ja-JP" altLang="en-US" sz="2400" dirty="0">
+                <a:latin typeface="メイリオ" panose="020B0604030504040204" pitchFamily="50" charset="-128"/>
+                <a:ea typeface="メイリオ" panose="020B0604030504040204" pitchFamily="50" charset="-128"/>
+              </a:rPr>
+              <a:t>以下のように</a:t>
+            </a:r>
+            <a:r>
+              <a:rPr kumimoji="1" lang="en-US" altLang="ja-JP" sz="2400" dirty="0">
+                <a:latin typeface="メイリオ" panose="020B0604030504040204" pitchFamily="50" charset="-128"/>
+                <a:ea typeface="メイリオ" panose="020B0604030504040204" pitchFamily="50" charset="-128"/>
+              </a:rPr>
+              <a:t>C: </a:t>
+            </a:r>
+            <a:r>
+              <a:rPr kumimoji="1" lang="ja-JP" altLang="en-US" sz="2400" dirty="0">
+                <a:latin typeface="メイリオ" panose="020B0604030504040204" pitchFamily="50" charset="-128"/>
+                <a:ea typeface="メイリオ" panose="020B0604030504040204" pitchFamily="50" charset="-128"/>
+              </a:rPr>
+              <a:t>直下に新規フォルダーを作ってインストール先にする</a:t>
+            </a:r>
+          </a:p>
+        </p:txBody>
+      </p:sp>
+      <p:pic>
+        <p:nvPicPr>
+          <p:cNvPr id="6" name="図 5">
+            <a:extLst>
+              <a:ext uri="{FF2B5EF4-FFF2-40B4-BE49-F238E27FC236}">
+                <a16:creationId xmlns:a16="http://schemas.microsoft.com/office/drawing/2014/main" id="{4298F6E0-494A-ED22-9748-F5DA5BC78EEA}"/>
+              </a:ext>
+            </a:extLst>
+          </p:cNvPr>
+          <p:cNvPicPr>
+            <a:picLocks noChangeAspect="1"/>
+          </p:cNvPicPr>
+          <p:nvPr/>
+        </p:nvPicPr>
+        <p:blipFill>
+          <a:blip r:embed="rId3"/>
+          <a:stretch>
+            <a:fillRect/>
+          </a:stretch>
+        </p:blipFill>
+        <p:spPr>
+          <a:xfrm>
+            <a:off x="508690" y="2210383"/>
+            <a:ext cx="5369865" cy="4427783"/>
+          </a:xfrm>
+          <a:prstGeom prst="rect">
+            <a:avLst/>
+          </a:prstGeom>
+        </p:spPr>
+      </p:pic>
+    </p:spTree>
+    <p:extLst>
+      <p:ext uri="{BB962C8B-B14F-4D97-AF65-F5344CB8AC3E}">
+        <p14:creationId xmlns:p14="http://schemas.microsoft.com/office/powerpoint/2010/main" val="2207839509"/>
+      </p:ext>
+    </p:extLst>
+  </p:cSld>
+  <p:clrMapOvr>
+    <a:masterClrMapping/>
+  </p:clrMapOvr>
+  <p:transition spd="med"/>
+</p:sld>
+</file>
+
+<file path=ppt/slides/slide5.xml><?xml version="1.0" encoding="utf-8"?>
+<p:sld xmlns:a="http://schemas.openxmlformats.org/drawingml/2006/main" xmlns:r="http://schemas.openxmlformats.org/officeDocument/2006/relationships" xmlns:p="http://schemas.openxmlformats.org/presentationml/2006/main">
+  <p:cSld>
+    <p:spTree>
+      <p:nvGrpSpPr>
+        <p:cNvPr id="1" name=""/>
+        <p:cNvGrpSpPr/>
+        <p:nvPr/>
+      </p:nvGrpSpPr>
+      <p:grpSpPr>
+        <a:xfrm>
+          <a:off x="0" y="0"/>
+          <a:ext cx="0" cy="0"/>
+          <a:chOff x="0" y="0"/>
+          <a:chExt cx="0" cy="0"/>
+        </a:xfrm>
+      </p:grpSpPr>
+      <p:pic>
+        <p:nvPicPr>
+          <p:cNvPr id="3" name="図 2">
+            <a:extLst>
+              <a:ext uri="{FF2B5EF4-FFF2-40B4-BE49-F238E27FC236}">
+                <a16:creationId xmlns:a16="http://schemas.microsoft.com/office/drawing/2014/main" id="{A8E45B53-8483-10E5-4183-860FDB3F0BEB}"/>
+              </a:ext>
+            </a:extLst>
+          </p:cNvPr>
+          <p:cNvPicPr>
+            <a:picLocks noChangeAspect="1"/>
+          </p:cNvPicPr>
+          <p:nvPr/>
+        </p:nvPicPr>
+        <p:blipFill>
+          <a:blip r:embed="rId2"/>
+          <a:stretch>
+            <a:fillRect/>
+          </a:stretch>
+        </p:blipFill>
+        <p:spPr>
+          <a:xfrm>
+            <a:off x="2528887" y="661987"/>
+            <a:ext cx="7134225" cy="5534025"/>
+          </a:xfrm>
+          <a:prstGeom prst="rect">
+            <a:avLst/>
+          </a:prstGeom>
+        </p:spPr>
+      </p:pic>
+      <p:sp>
+        <p:nvSpPr>
+          <p:cNvPr id="4" name="テキスト ボックス 3">
+            <a:extLst>
+              <a:ext uri="{FF2B5EF4-FFF2-40B4-BE49-F238E27FC236}">
+                <a16:creationId xmlns:a16="http://schemas.microsoft.com/office/drawing/2014/main" id="{A124677C-14C7-3E39-F42B-87B4E8D56C93}"/>
+              </a:ext>
+            </a:extLst>
+          </p:cNvPr>
+          <p:cNvSpPr txBox="1"/>
+          <p:nvPr/>
+        </p:nvSpPr>
+        <p:spPr>
+          <a:xfrm>
+            <a:off x="457200" y="368230"/>
+            <a:ext cx="5109091" cy="461665"/>
+          </a:xfrm>
+          <a:prstGeom prst="rect">
+            <a:avLst/>
+          </a:prstGeom>
+          <a:noFill/>
+        </p:spPr>
+        <p:txBody>
+          <a:bodyPr wrap="none" rtlCol="0">
+            <a:spAutoFit/>
+          </a:bodyPr>
+          <a:lstStyle/>
+          <a:p>
+            <a:pPr algn="l"/>
+            <a:r>
+              <a:rPr kumimoji="1" lang="ja-JP" altLang="en-US" sz="2400" dirty="0">
+                <a:latin typeface="メイリオ" panose="020B0604030504040204" pitchFamily="50" charset="-128"/>
+                <a:ea typeface="メイリオ" panose="020B0604030504040204" pitchFamily="50" charset="-128"/>
+              </a:rPr>
+              <a:t>かならずチェックマークを入れる！</a:t>
+            </a:r>
+          </a:p>
+        </p:txBody>
+      </p:sp>
+      <p:sp>
+        <p:nvSpPr>
+          <p:cNvPr id="6" name="吹き出し: 角を丸めた四角形 5">
+            <a:extLst>
+              <a:ext uri="{FF2B5EF4-FFF2-40B4-BE49-F238E27FC236}">
+                <a16:creationId xmlns:a16="http://schemas.microsoft.com/office/drawing/2014/main" id="{D7667036-E093-5B2F-84C3-6FFBEF16BD4B}"/>
+              </a:ext>
+            </a:extLst>
+          </p:cNvPr>
+          <p:cNvSpPr/>
+          <p:nvPr/>
+        </p:nvSpPr>
+        <p:spPr>
+          <a:xfrm>
+            <a:off x="289249" y="368230"/>
+            <a:ext cx="5174405" cy="555501"/>
+          </a:xfrm>
+          <a:prstGeom prst="wedgeRoundRectCallout">
+            <a:avLst>
+              <a:gd name="adj1" fmla="val 8379"/>
+              <a:gd name="adj2" fmla="val 295950"/>
+              <a:gd name="adj3" fmla="val 16667"/>
+            </a:avLst>
+          </a:prstGeom>
+          <a:noFill/>
+        </p:spPr>
+        <p:style>
+          <a:lnRef idx="2">
+            <a:schemeClr val="accent1">
+              <a:shade val="50000"/>
+            </a:schemeClr>
+          </a:lnRef>
+          <a:fillRef idx="1">
+            <a:schemeClr val="accent1"/>
+          </a:fillRef>
+          <a:effectRef idx="0">
+            <a:schemeClr val="accent1"/>
+          </a:effectRef>
+          <a:fontRef idx="minor">
+            <a:schemeClr val="lt1"/>
+          </a:fontRef>
+        </p:style>
+        <p:txBody>
+          <a:bodyPr rtlCol="0" anchor="ctr"/>
+          <a:lstStyle/>
+          <a:p>
+            <a:pPr algn="ctr"/>
+            <a:endParaRPr kumimoji="1" lang="ja-JP" altLang="en-US"/>
+          </a:p>
+        </p:txBody>
+      </p:sp>
+    </p:spTree>
+    <p:extLst>
+      <p:ext uri="{BB962C8B-B14F-4D97-AF65-F5344CB8AC3E}">
+        <p14:creationId xmlns:p14="http://schemas.microsoft.com/office/powerpoint/2010/main" val="3258666181"/>
+      </p:ext>
+    </p:extLst>
+  </p:cSld>
+  <p:clrMapOvr>
+    <a:masterClrMapping/>
+  </p:clrMapOvr>
+  <p:transition spd="med"/>
+</p:sld>
+</file>
+
+<file path=ppt/slides/slide6.xml><?xml version="1.0" encoding="utf-8"?>
+<p:sld xmlns:a="http://schemas.openxmlformats.org/drawingml/2006/main" xmlns:r="http://schemas.openxmlformats.org/officeDocument/2006/relationships" xmlns:p="http://schemas.openxmlformats.org/presentationml/2006/main">
+  <p:cSld>
+    <p:spTree>
+      <p:nvGrpSpPr>
+        <p:cNvPr id="1" name=""/>
+        <p:cNvGrpSpPr/>
+        <p:nvPr/>
+      </p:nvGrpSpPr>
+      <p:grpSpPr>
+        <a:xfrm>
+          <a:off x="0" y="0"/>
+          <a:ext cx="0" cy="0"/>
+          <a:chOff x="0" y="0"/>
+          <a:chExt cx="0" cy="0"/>
+        </a:xfrm>
+      </p:grpSpPr>
+      <p:sp>
+        <p:nvSpPr>
+          <p:cNvPr id="2" name="テキスト ボックス 1">
+            <a:extLst>
+              <a:ext uri="{FF2B5EF4-FFF2-40B4-BE49-F238E27FC236}">
+                <a16:creationId xmlns:a16="http://schemas.microsoft.com/office/drawing/2014/main" id="{53C05EFD-63E3-2E04-B55C-F7E65DD69D85}"/>
+              </a:ext>
+            </a:extLst>
+          </p:cNvPr>
+          <p:cNvSpPr txBox="1"/>
+          <p:nvPr/>
+        </p:nvSpPr>
+        <p:spPr>
+          <a:xfrm>
+            <a:off x="254065" y="468807"/>
+            <a:ext cx="1826141" cy="584775"/>
+          </a:xfrm>
+          <a:prstGeom prst="rect">
+            <a:avLst/>
+          </a:prstGeom>
+          <a:noFill/>
+        </p:spPr>
+        <p:txBody>
+          <a:bodyPr wrap="none" rtlCol="0">
+            <a:spAutoFit/>
+          </a:bodyPr>
+          <a:lstStyle/>
+          <a:p>
+            <a:pPr algn="l"/>
+            <a:r>
+              <a:rPr kumimoji="1" lang="ja-JP" altLang="en-US" sz="3200" dirty="0">
+                <a:latin typeface="メイリオ" panose="020B0604030504040204" pitchFamily="50" charset="-128"/>
+                <a:ea typeface="メイリオ" panose="020B0604030504040204" pitchFamily="50" charset="-128"/>
+              </a:rPr>
+              <a:t>動作確認</a:t>
+            </a:r>
+          </a:p>
+        </p:txBody>
+      </p:sp>
+      <p:sp>
+        <p:nvSpPr>
+          <p:cNvPr id="3" name="テキスト ボックス 2">
+            <a:extLst>
+              <a:ext uri="{FF2B5EF4-FFF2-40B4-BE49-F238E27FC236}">
+                <a16:creationId xmlns:a16="http://schemas.microsoft.com/office/drawing/2014/main" id="{BBEE23BC-5D31-AD76-038B-2F914ED1C78D}"/>
+              </a:ext>
+            </a:extLst>
+          </p:cNvPr>
+          <p:cNvSpPr txBox="1"/>
+          <p:nvPr/>
+        </p:nvSpPr>
+        <p:spPr>
+          <a:xfrm>
+            <a:off x="187390" y="1272657"/>
+            <a:ext cx="11395010" cy="1200329"/>
+          </a:xfrm>
+          <a:prstGeom prst="rect">
+            <a:avLst/>
+          </a:prstGeom>
+          <a:noFill/>
+        </p:spPr>
+        <p:txBody>
+          <a:bodyPr wrap="square" rtlCol="0">
+            <a:spAutoFit/>
+          </a:bodyPr>
+          <a:lstStyle/>
+          <a:p>
+            <a:pPr marL="457200" indent="-457200" algn="l">
+              <a:buFont typeface="+mj-lt"/>
+              <a:buAutoNum type="arabicPeriod"/>
+            </a:pPr>
+            <a:r>
+              <a:rPr kumimoji="1" lang="en-US" altLang="ja-JP" sz="2400" dirty="0">
+                <a:latin typeface="メイリオ" panose="020B0604030504040204" pitchFamily="50" charset="-128"/>
+                <a:ea typeface="メイリオ" panose="020B0604030504040204" pitchFamily="50" charset="-128"/>
+              </a:rPr>
+              <a:t>Windows </a:t>
+            </a:r>
+            <a:r>
+              <a:rPr kumimoji="1" lang="ja-JP" altLang="en-US" sz="2400" dirty="0">
+                <a:latin typeface="メイリオ" panose="020B0604030504040204" pitchFamily="50" charset="-128"/>
+                <a:ea typeface="メイリオ" panose="020B0604030504040204" pitchFamily="50" charset="-128"/>
+              </a:rPr>
+              <a:t>コマンドプロンプト</a:t>
+            </a:r>
+            <a:r>
+              <a:rPr kumimoji="1" lang="en-US" altLang="ja-JP" sz="2400" dirty="0">
+                <a:latin typeface="メイリオ" panose="020B0604030504040204" pitchFamily="50" charset="-128"/>
+                <a:ea typeface="メイリオ" panose="020B0604030504040204" pitchFamily="50" charset="-128"/>
+              </a:rPr>
+              <a:t>(</a:t>
+            </a:r>
+            <a:r>
+              <a:rPr kumimoji="1" lang="ja-JP" altLang="en-US" sz="2400" dirty="0">
+                <a:latin typeface="メイリオ" panose="020B0604030504040204" pitchFamily="50" charset="-128"/>
+                <a:ea typeface="メイリオ" panose="020B0604030504040204" pitchFamily="50" charset="-128"/>
+              </a:rPr>
+              <a:t>アプリケーションメニューから　</a:t>
+            </a:r>
+            <a:r>
+              <a:rPr kumimoji="1" lang="en-US" altLang="ja-JP" sz="2400" dirty="0">
+                <a:latin typeface="メイリオ" panose="020B0604030504040204" pitchFamily="50" charset="-128"/>
+                <a:ea typeface="メイリオ" panose="020B0604030504040204" pitchFamily="50" charset="-128"/>
+              </a:rPr>
+              <a:t>windows</a:t>
+            </a:r>
+            <a:r>
+              <a:rPr kumimoji="1" lang="ja-JP" altLang="en-US" sz="2400" dirty="0">
+                <a:latin typeface="メイリオ" panose="020B0604030504040204" pitchFamily="50" charset="-128"/>
+                <a:ea typeface="メイリオ" panose="020B0604030504040204" pitchFamily="50" charset="-128"/>
+              </a:rPr>
+              <a:t>ツール→コマンドプロンプト）を開いて、</a:t>
+            </a:r>
+            <a:r>
+              <a:rPr kumimoji="1" lang="en-US" altLang="ja-JP" sz="2400" dirty="0">
+                <a:latin typeface="メイリオ" panose="020B0604030504040204" pitchFamily="50" charset="-128"/>
+                <a:ea typeface="メイリオ" panose="020B0604030504040204" pitchFamily="50" charset="-128"/>
+              </a:rPr>
+              <a:t>python</a:t>
+            </a:r>
+            <a:r>
+              <a:rPr kumimoji="1" lang="ja-JP" altLang="en-US" sz="2400" dirty="0">
+                <a:latin typeface="メイリオ" panose="020B0604030504040204" pitchFamily="50" charset="-128"/>
+                <a:ea typeface="メイリオ" panose="020B0604030504040204" pitchFamily="50" charset="-128"/>
+              </a:rPr>
+              <a:t>と入力。以下のような記号が出てきたら</a:t>
+            </a:r>
+            <a:r>
+              <a:rPr kumimoji="1" lang="en-US" altLang="ja-JP" sz="2400" dirty="0">
+                <a:latin typeface="メイリオ" panose="020B0604030504040204" pitchFamily="50" charset="-128"/>
+                <a:ea typeface="メイリオ" panose="020B0604030504040204" pitchFamily="50" charset="-128"/>
+              </a:rPr>
+              <a:t>OK</a:t>
+            </a:r>
+            <a:endParaRPr kumimoji="1" lang="ja-JP" altLang="en-US" sz="2400" dirty="0">
+              <a:latin typeface="メイリオ" panose="020B0604030504040204" pitchFamily="50" charset="-128"/>
+              <a:ea typeface="メイリオ" panose="020B0604030504040204" pitchFamily="50" charset="-128"/>
+            </a:endParaRPr>
+          </a:p>
+        </p:txBody>
+      </p:sp>
+      <p:pic>
+        <p:nvPicPr>
+          <p:cNvPr id="7" name="図 6">
+            <a:extLst>
+              <a:ext uri="{FF2B5EF4-FFF2-40B4-BE49-F238E27FC236}">
+                <a16:creationId xmlns:a16="http://schemas.microsoft.com/office/drawing/2014/main" id="{521F055D-593A-DE5C-AC0F-BE741C32D08D}"/>
+              </a:ext>
+            </a:extLst>
+          </p:cNvPr>
+          <p:cNvPicPr>
+            <a:picLocks noChangeAspect="1"/>
+          </p:cNvPicPr>
+          <p:nvPr/>
+        </p:nvPicPr>
+        <p:blipFill>
+          <a:blip r:embed="rId2"/>
+          <a:stretch>
+            <a:fillRect/>
+          </a:stretch>
+        </p:blipFill>
+        <p:spPr>
+          <a:xfrm>
+            <a:off x="763552" y="2638342"/>
+            <a:ext cx="1214490" cy="485796"/>
+          </a:xfrm>
+          <a:prstGeom prst="rect">
+            <a:avLst/>
+          </a:prstGeom>
+        </p:spPr>
+      </p:pic>
+      <p:pic>
+        <p:nvPicPr>
+          <p:cNvPr id="10" name="図 9">
+            <a:extLst>
+              <a:ext uri="{FF2B5EF4-FFF2-40B4-BE49-F238E27FC236}">
+                <a16:creationId xmlns:a16="http://schemas.microsoft.com/office/drawing/2014/main" id="{39C4CA48-A1F0-D83A-8C64-819ED3B934A1}"/>
+              </a:ext>
+            </a:extLst>
+          </p:cNvPr>
+          <p:cNvPicPr>
+            <a:picLocks noChangeAspect="1"/>
+          </p:cNvPicPr>
+          <p:nvPr/>
+        </p:nvPicPr>
+        <p:blipFill>
+          <a:blip r:embed="rId3"/>
+          <a:stretch>
+            <a:fillRect/>
+          </a:stretch>
+        </p:blipFill>
+        <p:spPr>
+          <a:xfrm>
+            <a:off x="6396338" y="3566212"/>
+            <a:ext cx="5693996" cy="1558691"/>
+          </a:xfrm>
+          <a:prstGeom prst="rect">
+            <a:avLst/>
+          </a:prstGeom>
+        </p:spPr>
+      </p:pic>
+      <p:sp>
+        <p:nvSpPr>
+          <p:cNvPr id="11" name="テキスト ボックス 10">
+            <a:extLst>
+              <a:ext uri="{FF2B5EF4-FFF2-40B4-BE49-F238E27FC236}">
+                <a16:creationId xmlns:a16="http://schemas.microsoft.com/office/drawing/2014/main" id="{CB5CCCB6-67D2-8D38-D606-5D279F09B3C6}"/>
+              </a:ext>
+            </a:extLst>
+          </p:cNvPr>
+          <p:cNvSpPr txBox="1"/>
+          <p:nvPr/>
+        </p:nvSpPr>
+        <p:spPr>
+          <a:xfrm>
+            <a:off x="101666" y="3590925"/>
+            <a:ext cx="6294672" cy="830997"/>
+          </a:xfrm>
+          <a:prstGeom prst="rect">
+            <a:avLst/>
+          </a:prstGeom>
+          <a:noFill/>
+        </p:spPr>
+        <p:txBody>
+          <a:bodyPr wrap="square" rtlCol="0">
+            <a:spAutoFit/>
+          </a:bodyPr>
+          <a:lstStyle/>
+          <a:p>
+            <a:pPr algn="l"/>
+            <a:r>
+              <a:rPr kumimoji="1" lang="en-US" altLang="ja-JP" sz="2400" dirty="0">
+                <a:latin typeface="メイリオ" panose="020B0604030504040204" pitchFamily="50" charset="-128"/>
+                <a:ea typeface="メイリオ" panose="020B0604030504040204" pitchFamily="50" charset="-128"/>
+              </a:rPr>
+              <a:t>2. Anaconda power shell</a:t>
+            </a:r>
+            <a:r>
+              <a:rPr kumimoji="1" lang="ja-JP" altLang="en-US" sz="2400" dirty="0">
+                <a:latin typeface="メイリオ" panose="020B0604030504040204" pitchFamily="50" charset="-128"/>
+                <a:ea typeface="メイリオ" panose="020B0604030504040204" pitchFamily="50" charset="-128"/>
+              </a:rPr>
+              <a:t>（右図）を立ち上</a:t>
+            </a:r>
+            <a:endParaRPr kumimoji="1" lang="en-US" altLang="ja-JP" sz="2400" dirty="0">
+              <a:latin typeface="メイリオ" panose="020B0604030504040204" pitchFamily="50" charset="-128"/>
+              <a:ea typeface="メイリオ" panose="020B0604030504040204" pitchFamily="50" charset="-128"/>
+            </a:endParaRPr>
+          </a:p>
+          <a:p>
+            <a:pPr algn="l"/>
+            <a:r>
+              <a:rPr kumimoji="1" lang="en-US" altLang="ja-JP" sz="2400" dirty="0">
+                <a:latin typeface="メイリオ" panose="020B0604030504040204" pitchFamily="50" charset="-128"/>
+                <a:ea typeface="メイリオ" panose="020B0604030504040204" pitchFamily="50" charset="-128"/>
+              </a:rPr>
+              <a:t>    </a:t>
+            </a:r>
+            <a:r>
+              <a:rPr kumimoji="1" lang="ja-JP" altLang="en-US" sz="2400" dirty="0">
+                <a:latin typeface="メイリオ" panose="020B0604030504040204" pitchFamily="50" charset="-128"/>
+                <a:ea typeface="メイリオ" panose="020B0604030504040204" pitchFamily="50" charset="-128"/>
+              </a:rPr>
+              <a:t>げて以下のコマンドを入力</a:t>
+            </a:r>
+          </a:p>
+        </p:txBody>
+      </p:sp>
+      <p:pic>
+        <p:nvPicPr>
+          <p:cNvPr id="13" name="図 12">
+            <a:extLst>
+              <a:ext uri="{FF2B5EF4-FFF2-40B4-BE49-F238E27FC236}">
+                <a16:creationId xmlns:a16="http://schemas.microsoft.com/office/drawing/2014/main" id="{981CBD2D-1C07-F1B0-CCB2-69720EAE13A5}"/>
+              </a:ext>
+            </a:extLst>
+          </p:cNvPr>
+          <p:cNvPicPr>
+            <a:picLocks noChangeAspect="1"/>
+          </p:cNvPicPr>
+          <p:nvPr/>
+        </p:nvPicPr>
+        <p:blipFill>
+          <a:blip r:embed="rId4"/>
+          <a:stretch>
+            <a:fillRect/>
+          </a:stretch>
+        </p:blipFill>
+        <p:spPr>
+          <a:xfrm>
+            <a:off x="702342" y="4421922"/>
+            <a:ext cx="4770533" cy="952583"/>
+          </a:xfrm>
+          <a:prstGeom prst="rect">
+            <a:avLst/>
+          </a:prstGeom>
+        </p:spPr>
+      </p:pic>
+      <p:sp>
+        <p:nvSpPr>
+          <p:cNvPr id="14" name="テキスト ボックス 13">
+            <a:extLst>
+              <a:ext uri="{FF2B5EF4-FFF2-40B4-BE49-F238E27FC236}">
+                <a16:creationId xmlns:a16="http://schemas.microsoft.com/office/drawing/2014/main" id="{1CD53FC4-14EB-D18E-0ABF-D8048DFD7789}"/>
+              </a:ext>
+            </a:extLst>
+          </p:cNvPr>
+          <p:cNvSpPr txBox="1"/>
+          <p:nvPr/>
+        </p:nvSpPr>
+        <p:spPr>
+          <a:xfrm>
+            <a:off x="606491" y="5616693"/>
+            <a:ext cx="7891904" cy="461665"/>
+          </a:xfrm>
+          <a:prstGeom prst="rect">
+            <a:avLst/>
+          </a:prstGeom>
+          <a:noFill/>
+        </p:spPr>
+        <p:txBody>
+          <a:bodyPr wrap="none" rtlCol="0">
+            <a:spAutoFit/>
+          </a:bodyPr>
+          <a:lstStyle/>
+          <a:p>
+            <a:pPr algn="l"/>
+            <a:r>
+              <a:rPr kumimoji="1" lang="en-US" altLang="ja-JP" sz="2400" dirty="0">
+                <a:latin typeface="メイリオ" panose="020B0604030504040204" pitchFamily="50" charset="-128"/>
+                <a:ea typeface="メイリオ" panose="020B0604030504040204" pitchFamily="50" charset="-128"/>
+              </a:rPr>
+              <a:t>Successfully installed .. </a:t>
+            </a:r>
+            <a:r>
+              <a:rPr kumimoji="1" lang="ja-JP" altLang="en-US" sz="2400" dirty="0">
+                <a:latin typeface="メイリオ" panose="020B0604030504040204" pitchFamily="50" charset="-128"/>
+                <a:ea typeface="メイリオ" panose="020B0604030504040204" pitchFamily="50" charset="-128"/>
+              </a:rPr>
+              <a:t>というメッセージが出れば</a:t>
+            </a:r>
+            <a:r>
+              <a:rPr kumimoji="1" lang="en-US" altLang="ja-JP" sz="2400" dirty="0">
+                <a:latin typeface="メイリオ" panose="020B0604030504040204" pitchFamily="50" charset="-128"/>
+                <a:ea typeface="メイリオ" panose="020B0604030504040204" pitchFamily="50" charset="-128"/>
+              </a:rPr>
+              <a:t>OK</a:t>
+            </a:r>
+            <a:endParaRPr kumimoji="1" lang="ja-JP" altLang="en-US" sz="2400" dirty="0">
+              <a:latin typeface="メイリオ" panose="020B0604030504040204" pitchFamily="50" charset="-128"/>
+              <a:ea typeface="メイリオ" panose="020B0604030504040204" pitchFamily="50" charset="-128"/>
+            </a:endParaRPr>
+          </a:p>
+        </p:txBody>
+      </p:sp>
+    </p:spTree>
+    <p:extLst>
+      <p:ext uri="{BB962C8B-B14F-4D97-AF65-F5344CB8AC3E}">
+        <p14:creationId xmlns:p14="http://schemas.microsoft.com/office/powerpoint/2010/main" val="2780698887"/>
+      </p:ext>
+    </p:extLst>
+  </p:cSld>
+  <p:clrMapOvr>
+    <a:masterClrMapping/>
+  </p:clrMapOvr>
+  <p:transition spd="med"/>
+</p:sld>
+</file>
+
+<file path=ppt/slides/slide7.xml><?xml version="1.0" encoding="utf-8"?>
+<p:sld xmlns:a="http://schemas.openxmlformats.org/drawingml/2006/main" xmlns:r="http://schemas.openxmlformats.org/officeDocument/2006/relationships" xmlns:p="http://schemas.openxmlformats.org/presentationml/2006/main">
+  <p:cSld>
+    <p:spTree>
+      <p:nvGrpSpPr>
+        <p:cNvPr id="1" name=""/>
+        <p:cNvGrpSpPr/>
+        <p:nvPr/>
+      </p:nvGrpSpPr>
+      <p:grpSpPr>
+        <a:xfrm>
+          <a:off x="0" y="0"/>
+          <a:ext cx="0" cy="0"/>
+          <a:chOff x="0" y="0"/>
+          <a:chExt cx="0" cy="0"/>
+        </a:xfrm>
+      </p:grpSpPr>
+      <p:sp>
+        <p:nvSpPr>
+          <p:cNvPr id="2" name="テキスト ボックス 1">
+            <a:extLst>
+              <a:ext uri="{FF2B5EF4-FFF2-40B4-BE49-F238E27FC236}">
+                <a16:creationId xmlns:a16="http://schemas.microsoft.com/office/drawing/2014/main" id="{05CFB002-E2C9-C9E0-1047-FCD239A1F25F}"/>
+              </a:ext>
+            </a:extLst>
+          </p:cNvPr>
+          <p:cNvSpPr txBox="1"/>
+          <p:nvPr/>
+        </p:nvSpPr>
+        <p:spPr>
+          <a:xfrm>
+            <a:off x="643812" y="550506"/>
+            <a:ext cx="1826141" cy="584775"/>
+          </a:xfrm>
+          <a:prstGeom prst="rect">
+            <a:avLst/>
+          </a:prstGeom>
+          <a:noFill/>
+        </p:spPr>
+        <p:txBody>
+          <a:bodyPr wrap="none" rtlCol="0">
+            <a:spAutoFit/>
+          </a:bodyPr>
+          <a:lstStyle/>
+          <a:p>
+            <a:pPr algn="l"/>
+            <a:r>
+              <a:rPr kumimoji="1" lang="ja-JP" altLang="en-US" sz="3200" dirty="0">
+                <a:latin typeface="メイリオ" panose="020B0604030504040204" pitchFamily="50" charset="-128"/>
+                <a:ea typeface="メイリオ" panose="020B0604030504040204" pitchFamily="50" charset="-128"/>
+              </a:rPr>
+              <a:t>その他　</a:t>
+            </a:r>
+          </a:p>
+        </p:txBody>
+      </p:sp>
+      <p:sp>
+        <p:nvSpPr>
+          <p:cNvPr id="3" name="テキスト ボックス 2">
+            <a:extLst>
+              <a:ext uri="{FF2B5EF4-FFF2-40B4-BE49-F238E27FC236}">
+                <a16:creationId xmlns:a16="http://schemas.microsoft.com/office/drawing/2014/main" id="{7520100F-D990-62CF-8B39-FC6E93D13DA5}"/>
+              </a:ext>
+            </a:extLst>
+          </p:cNvPr>
+          <p:cNvSpPr txBox="1"/>
+          <p:nvPr/>
+        </p:nvSpPr>
+        <p:spPr>
+          <a:xfrm>
+            <a:off x="709127" y="1144611"/>
+            <a:ext cx="4980018" cy="461665"/>
+          </a:xfrm>
+          <a:prstGeom prst="rect">
+            <a:avLst/>
+          </a:prstGeom>
+          <a:noFill/>
+        </p:spPr>
+        <p:txBody>
+          <a:bodyPr wrap="none" rtlCol="0">
+            <a:spAutoFit/>
+          </a:bodyPr>
+          <a:lstStyle/>
+          <a:p>
+            <a:pPr algn="l"/>
+            <a:r>
+              <a:rPr kumimoji="1" lang="en-US" altLang="ja-JP" sz="2400" dirty="0">
+                <a:latin typeface="メイリオ" panose="020B0604030504040204" pitchFamily="50" charset="-128"/>
+                <a:ea typeface="メイリオ" panose="020B0604030504040204" pitchFamily="50" charset="-128"/>
+              </a:rPr>
+              <a:t>Markdown </a:t>
+            </a:r>
+            <a:r>
+              <a:rPr kumimoji="1" lang="en-US" altLang="ja-JP" sz="2400" dirty="0" err="1">
+                <a:latin typeface="メイリオ" panose="020B0604030504040204" pitchFamily="50" charset="-128"/>
+                <a:ea typeface="メイリオ" panose="020B0604030504040204" pitchFamily="50" charset="-128"/>
+              </a:rPr>
+              <a:t>veiwer</a:t>
+            </a:r>
+            <a:r>
+              <a:rPr kumimoji="1" lang="ja-JP" altLang="en-US" sz="2400" dirty="0">
+                <a:latin typeface="メイリオ" panose="020B0604030504040204" pitchFamily="50" charset="-128"/>
+                <a:ea typeface="メイリオ" panose="020B0604030504040204" pitchFamily="50" charset="-128"/>
+              </a:rPr>
+              <a:t>のインストール</a:t>
+            </a:r>
+          </a:p>
+        </p:txBody>
+      </p:sp>
+      <p:sp>
+        <p:nvSpPr>
+          <p:cNvPr id="4" name="テキスト ボックス 3">
+            <a:extLst>
+              <a:ext uri="{FF2B5EF4-FFF2-40B4-BE49-F238E27FC236}">
+                <a16:creationId xmlns:a16="http://schemas.microsoft.com/office/drawing/2014/main" id="{6B460C33-688A-F1CC-0D48-3CAD1FCFC10B}"/>
+              </a:ext>
+            </a:extLst>
+          </p:cNvPr>
+          <p:cNvSpPr txBox="1"/>
+          <p:nvPr/>
+        </p:nvSpPr>
+        <p:spPr>
+          <a:xfrm>
+            <a:off x="709127" y="2771192"/>
+            <a:ext cx="8270021" cy="830997"/>
+          </a:xfrm>
+          <a:prstGeom prst="rect">
+            <a:avLst/>
+          </a:prstGeom>
+          <a:noFill/>
+        </p:spPr>
+        <p:txBody>
+          <a:bodyPr wrap="none" rtlCol="0">
+            <a:spAutoFit/>
+          </a:bodyPr>
+          <a:lstStyle/>
+          <a:p>
+            <a:pPr algn="l"/>
+            <a:r>
+              <a:rPr kumimoji="1" lang="en-US" altLang="ja-JP" sz="2400" dirty="0">
+                <a:latin typeface="メイリオ" panose="020B0604030504040204" pitchFamily="50" charset="-128"/>
+                <a:ea typeface="メイリオ" panose="020B0604030504040204" pitchFamily="50" charset="-128"/>
+                <a:hlinkClick r:id="rId2"/>
+              </a:rPr>
+              <a:t>https://zenn.dev/kabec_dev/articles/cd34f2e2f32662</a:t>
+            </a:r>
+            <a:endParaRPr kumimoji="1" lang="en-US" altLang="ja-JP" sz="2400" dirty="0">
+              <a:latin typeface="メイリオ" panose="020B0604030504040204" pitchFamily="50" charset="-128"/>
+              <a:ea typeface="メイリオ" panose="020B0604030504040204" pitchFamily="50" charset="-128"/>
+            </a:endParaRPr>
+          </a:p>
+          <a:p>
+            <a:pPr algn="l"/>
+            <a:endParaRPr kumimoji="1" lang="ja-JP" altLang="en-US" sz="2400" dirty="0">
+              <a:latin typeface="メイリオ" panose="020B0604030504040204" pitchFamily="50" charset="-128"/>
+              <a:ea typeface="メイリオ" panose="020B0604030504040204" pitchFamily="50" charset="-128"/>
+            </a:endParaRPr>
+          </a:p>
+        </p:txBody>
+      </p:sp>
+      <p:sp>
+        <p:nvSpPr>
+          <p:cNvPr id="5" name="テキスト ボックス 4">
+            <a:extLst>
+              <a:ext uri="{FF2B5EF4-FFF2-40B4-BE49-F238E27FC236}">
+                <a16:creationId xmlns:a16="http://schemas.microsoft.com/office/drawing/2014/main" id="{E2312BD3-BB89-BCAC-CC28-53669435A63B}"/>
+              </a:ext>
+            </a:extLst>
+          </p:cNvPr>
+          <p:cNvSpPr txBox="1"/>
+          <p:nvPr/>
+        </p:nvSpPr>
+        <p:spPr>
+          <a:xfrm>
+            <a:off x="839755" y="2341984"/>
+            <a:ext cx="3877985" cy="461665"/>
+          </a:xfrm>
+          <a:prstGeom prst="rect">
+            <a:avLst/>
+          </a:prstGeom>
+          <a:noFill/>
+        </p:spPr>
+        <p:txBody>
+          <a:bodyPr wrap="none" rtlCol="0">
+            <a:spAutoFit/>
+          </a:bodyPr>
+          <a:lstStyle/>
+          <a:p>
+            <a:pPr algn="l"/>
+            <a:r>
+              <a:rPr kumimoji="1" lang="ja-JP" altLang="en-US" sz="2400" dirty="0">
+                <a:latin typeface="メイリオ" panose="020B0604030504040204" pitchFamily="50" charset="-128"/>
+                <a:ea typeface="メイリオ" panose="020B0604030504040204" pitchFamily="50" charset="-128"/>
+              </a:rPr>
+              <a:t>以下に従ってインストール</a:t>
+            </a:r>
+          </a:p>
+        </p:txBody>
+      </p:sp>
+    </p:spTree>
+    <p:extLst>
+      <p:ext uri="{BB962C8B-B14F-4D97-AF65-F5344CB8AC3E}">
+        <p14:creationId xmlns:p14="http://schemas.microsoft.com/office/powerpoint/2010/main" val="3145477665"/>
+      </p:ext>
+    </p:extLst>
+  </p:cSld>
+  <p:clrMapOvr>
+    <a:masterClrMapping/>
+  </p:clrMapOvr>
+  <p:transition spd="med"/>
+</p:sld>
+</file>
+
+<file path=ppt/slides/slide8.xml><?xml version="1.0" encoding="utf-8"?>
+<p:sld xmlns:a="http://schemas.openxmlformats.org/drawingml/2006/main" xmlns:r="http://schemas.openxmlformats.org/officeDocument/2006/relationships" xmlns:p="http://schemas.openxmlformats.org/presentationml/2006/main">
+  <p:cSld>
+    <p:spTree>
+      <p:nvGrpSpPr>
+        <p:cNvPr id="1" name=""/>
+        <p:cNvGrpSpPr/>
+        <p:nvPr/>
+      </p:nvGrpSpPr>
+      <p:grpSpPr>
+        <a:xfrm>
+          <a:off x="0" y="0"/>
+          <a:ext cx="0" cy="0"/>
+          <a:chOff x="0" y="0"/>
+          <a:chExt cx="0" cy="0"/>
+        </a:xfrm>
+      </p:grpSpPr>
+      <p:sp>
+        <p:nvSpPr>
+          <p:cNvPr id="2" name="テキスト ボックス 1">
+            <a:extLst>
+              <a:ext uri="{FF2B5EF4-FFF2-40B4-BE49-F238E27FC236}">
+                <a16:creationId xmlns:a16="http://schemas.microsoft.com/office/drawing/2014/main" id="{B22256A8-AA38-D186-D9B1-DF1BD3F857F4}"/>
+              </a:ext>
+            </a:extLst>
+          </p:cNvPr>
+          <p:cNvSpPr txBox="1"/>
+          <p:nvPr/>
+        </p:nvSpPr>
+        <p:spPr>
+          <a:xfrm>
+            <a:off x="1278294" y="2202024"/>
+            <a:ext cx="800219" cy="461665"/>
+          </a:xfrm>
+          <a:prstGeom prst="rect">
+            <a:avLst/>
+          </a:prstGeom>
+          <a:noFill/>
+        </p:spPr>
+        <p:txBody>
+          <a:bodyPr wrap="none" rtlCol="0">
+            <a:spAutoFit/>
+          </a:bodyPr>
+          <a:lstStyle/>
+          <a:p>
+            <a:pPr algn="l"/>
+            <a:r>
+              <a:rPr kumimoji="1" lang="ja-JP" altLang="en-US" sz="2400" dirty="0">
+                <a:latin typeface="メイリオ" panose="020B0604030504040204" pitchFamily="50" charset="-128"/>
+                <a:ea typeface="メイリオ" panose="020B0604030504040204" pitchFamily="50" charset="-128"/>
+              </a:rPr>
+              <a:t>メモ</a:t>
+            </a:r>
+          </a:p>
+        </p:txBody>
+      </p:sp>
+    </p:spTree>
+    <p:extLst>
+      <p:ext uri="{BB962C8B-B14F-4D97-AF65-F5344CB8AC3E}">
+        <p14:creationId xmlns:p14="http://schemas.microsoft.com/office/powerpoint/2010/main" val="1373513733"/>
+      </p:ext>
+    </p:extLst>
+  </p:cSld>
+  <p:clrMapOvr>
+    <a:masterClrMapping/>
+  </p:clrMapOvr>
+  <p:transition spd="med"/>
+</p:sld>
+</file>
+
+<file path=ppt/slides/slide9.xml><?xml version="1.0" encoding="utf-8"?>
 <p:sld xmlns:a="http://schemas.openxmlformats.org/drawingml/2006/main" xmlns:r="http://schemas.openxmlformats.org/officeDocument/2006/relationships" xmlns:p="http://schemas.openxmlformats.org/presentationml/2006/main">
   <p:cSld>
     <p:spTree>
@@ -4206,486 +5148,6 @@
     <p:extLst>
       <p:ext uri="{BB962C8B-B14F-4D97-AF65-F5344CB8AC3E}">
         <p14:creationId xmlns:p14="http://schemas.microsoft.com/office/powerpoint/2010/main" val="1055687131"/>
-      </p:ext>
-    </p:extLst>
-  </p:cSld>
-  <p:clrMapOvr>
-    <a:masterClrMapping/>
-  </p:clrMapOvr>
-  <p:transition spd="med"/>
-</p:sld>
-</file>
-
-<file path=ppt/slides/slide5.xml><?xml version="1.0" encoding="utf-8"?>
-<p:sld xmlns:a="http://schemas.openxmlformats.org/drawingml/2006/main" xmlns:r="http://schemas.openxmlformats.org/officeDocument/2006/relationships" xmlns:p="http://schemas.openxmlformats.org/presentationml/2006/main">
-  <p:cSld>
-    <p:spTree>
-      <p:nvGrpSpPr>
-        <p:cNvPr id="1" name=""/>
-        <p:cNvGrpSpPr/>
-        <p:nvPr/>
-      </p:nvGrpSpPr>
-      <p:grpSpPr>
-        <a:xfrm>
-          <a:off x="0" y="0"/>
-          <a:ext cx="0" cy="0"/>
-          <a:chOff x="0" y="0"/>
-          <a:chExt cx="0" cy="0"/>
-        </a:xfrm>
-      </p:grpSpPr>
-      <p:sp>
-        <p:nvSpPr>
-          <p:cNvPr id="2" name="テキスト ボックス 1">
-            <a:extLst>
-              <a:ext uri="{FF2B5EF4-FFF2-40B4-BE49-F238E27FC236}">
-                <a16:creationId xmlns:a16="http://schemas.microsoft.com/office/drawing/2014/main" id="{4ACCF9BE-1689-2E20-2B5A-D3EBBBEE571E}"/>
-              </a:ext>
-            </a:extLst>
-          </p:cNvPr>
-          <p:cNvSpPr txBox="1"/>
-          <p:nvPr/>
-        </p:nvSpPr>
-        <p:spPr>
-          <a:xfrm>
-            <a:off x="354563" y="195943"/>
-            <a:ext cx="2087431" cy="461665"/>
-          </a:xfrm>
-          <a:prstGeom prst="rect">
-            <a:avLst/>
-          </a:prstGeom>
-          <a:noFill/>
-        </p:spPr>
-        <p:txBody>
-          <a:bodyPr wrap="none" rtlCol="0">
-            <a:spAutoFit/>
-          </a:bodyPr>
-          <a:lstStyle/>
-          <a:p>
-            <a:pPr algn="l"/>
-            <a:r>
-              <a:rPr kumimoji="1" lang="ja-JP" altLang="en-US" sz="2400" dirty="0">
-                <a:latin typeface="メイリオ" panose="020B0604030504040204" pitchFamily="50" charset="-128"/>
-                <a:ea typeface="メイリオ" panose="020B0604030504040204" pitchFamily="50" charset="-128"/>
-              </a:rPr>
-              <a:t>続いて</a:t>
-            </a:r>
-            <a:r>
-              <a:rPr kumimoji="1" lang="en-US" altLang="ja-JP" sz="2400" dirty="0">
-                <a:latin typeface="メイリオ" panose="020B0604030504040204" pitchFamily="50" charset="-128"/>
-                <a:ea typeface="メイリオ" panose="020B0604030504040204" pitchFamily="50" charset="-128"/>
-              </a:rPr>
-              <a:t>install </a:t>
-            </a:r>
-            <a:endParaRPr kumimoji="1" lang="ja-JP" altLang="en-US" sz="2400" dirty="0">
-              <a:latin typeface="メイリオ" panose="020B0604030504040204" pitchFamily="50" charset="-128"/>
-              <a:ea typeface="メイリオ" panose="020B0604030504040204" pitchFamily="50" charset="-128"/>
-            </a:endParaRPr>
-          </a:p>
-        </p:txBody>
-      </p:sp>
-      <p:pic>
-        <p:nvPicPr>
-          <p:cNvPr id="4" name="図 3">
-            <a:extLst>
-              <a:ext uri="{FF2B5EF4-FFF2-40B4-BE49-F238E27FC236}">
-                <a16:creationId xmlns:a16="http://schemas.microsoft.com/office/drawing/2014/main" id="{C824CEC8-78CA-8101-F174-D306953D0658}"/>
-              </a:ext>
-            </a:extLst>
-          </p:cNvPr>
-          <p:cNvPicPr>
-            <a:picLocks noChangeAspect="1"/>
-          </p:cNvPicPr>
-          <p:nvPr/>
-        </p:nvPicPr>
-        <p:blipFill>
-          <a:blip r:embed="rId2"/>
-          <a:stretch>
-            <a:fillRect/>
-          </a:stretch>
-        </p:blipFill>
-        <p:spPr>
-          <a:xfrm>
-            <a:off x="2608295" y="1259535"/>
-            <a:ext cx="7124700" cy="5495925"/>
-          </a:xfrm>
-          <a:prstGeom prst="rect">
-            <a:avLst/>
-          </a:prstGeom>
-        </p:spPr>
-      </p:pic>
-      <p:sp>
-        <p:nvSpPr>
-          <p:cNvPr id="5" name="テキスト ボックス 4">
-            <a:extLst>
-              <a:ext uri="{FF2B5EF4-FFF2-40B4-BE49-F238E27FC236}">
-                <a16:creationId xmlns:a16="http://schemas.microsoft.com/office/drawing/2014/main" id="{1D00AEB7-6DA3-132A-D5B3-CC207726AA27}"/>
-              </a:ext>
-            </a:extLst>
-          </p:cNvPr>
-          <p:cNvSpPr txBox="1"/>
-          <p:nvPr/>
-        </p:nvSpPr>
-        <p:spPr>
-          <a:xfrm>
-            <a:off x="2995127" y="816227"/>
-            <a:ext cx="5726248" cy="461665"/>
-          </a:xfrm>
-          <a:prstGeom prst="rect">
-            <a:avLst/>
-          </a:prstGeom>
-          <a:noFill/>
-        </p:spPr>
-        <p:txBody>
-          <a:bodyPr wrap="none" rtlCol="0">
-            <a:spAutoFit/>
-          </a:bodyPr>
-          <a:lstStyle/>
-          <a:p>
-            <a:pPr algn="l"/>
-            <a:r>
-              <a:rPr kumimoji="1" lang="en-US" altLang="ja-JP" sz="2400" dirty="0">
-                <a:latin typeface="メイリオ" panose="020B0604030504040204" pitchFamily="50" charset="-128"/>
-                <a:ea typeface="メイリオ" panose="020B0604030504040204" pitchFamily="50" charset="-128"/>
-              </a:rPr>
-              <a:t>Just me</a:t>
-            </a:r>
-            <a:r>
-              <a:rPr kumimoji="1" lang="ja-JP" altLang="en-US" sz="2400" dirty="0">
-                <a:latin typeface="メイリオ" panose="020B0604030504040204" pitchFamily="50" charset="-128"/>
-                <a:ea typeface="メイリオ" panose="020B0604030504040204" pitchFamily="50" charset="-128"/>
-              </a:rPr>
-              <a:t>でないと</a:t>
-            </a:r>
-            <a:r>
-              <a:rPr kumimoji="1" lang="en-US" altLang="ja-JP" sz="2400" dirty="0">
-                <a:latin typeface="メイリオ" panose="020B0604030504040204" pitchFamily="50" charset="-128"/>
-                <a:ea typeface="メイリオ" panose="020B0604030504040204" pitchFamily="50" charset="-128"/>
-              </a:rPr>
-              <a:t>path</a:t>
-            </a:r>
-            <a:r>
-              <a:rPr kumimoji="1" lang="ja-JP" altLang="en-US" sz="2400" dirty="0">
-                <a:latin typeface="メイリオ" panose="020B0604030504040204" pitchFamily="50" charset="-128"/>
-                <a:ea typeface="メイリオ" panose="020B0604030504040204" pitchFamily="50" charset="-128"/>
-              </a:rPr>
-              <a:t>を自動で通せない</a:t>
-            </a:r>
-          </a:p>
-        </p:txBody>
-      </p:sp>
-    </p:spTree>
-    <p:extLst>
-      <p:ext uri="{BB962C8B-B14F-4D97-AF65-F5344CB8AC3E}">
-        <p14:creationId xmlns:p14="http://schemas.microsoft.com/office/powerpoint/2010/main" val="411089143"/>
-      </p:ext>
-    </p:extLst>
-  </p:cSld>
-  <p:clrMapOvr>
-    <a:masterClrMapping/>
-  </p:clrMapOvr>
-  <p:transition spd="med"/>
-</p:sld>
-</file>
-
-<file path=ppt/slides/slide6.xml><?xml version="1.0" encoding="utf-8"?>
-<p:sld xmlns:a="http://schemas.openxmlformats.org/drawingml/2006/main" xmlns:r="http://schemas.openxmlformats.org/officeDocument/2006/relationships" xmlns:p="http://schemas.openxmlformats.org/presentationml/2006/main">
-  <p:cSld>
-    <p:spTree>
-      <p:nvGrpSpPr>
-        <p:cNvPr id="1" name=""/>
-        <p:cNvGrpSpPr/>
-        <p:nvPr/>
-      </p:nvGrpSpPr>
-      <p:grpSpPr>
-        <a:xfrm>
-          <a:off x="0" y="0"/>
-          <a:ext cx="0" cy="0"/>
-          <a:chOff x="0" y="0"/>
-          <a:chExt cx="0" cy="0"/>
-        </a:xfrm>
-      </p:grpSpPr>
-      <p:pic>
-        <p:nvPicPr>
-          <p:cNvPr id="3" name="図 2">
-            <a:extLst>
-              <a:ext uri="{FF2B5EF4-FFF2-40B4-BE49-F238E27FC236}">
-                <a16:creationId xmlns:a16="http://schemas.microsoft.com/office/drawing/2014/main" id="{5C93202C-8864-8BF7-BEB5-FDEA9AE81B74}"/>
-              </a:ext>
-            </a:extLst>
-          </p:cNvPr>
-          <p:cNvPicPr>
-            <a:picLocks noChangeAspect="1"/>
-          </p:cNvPicPr>
-          <p:nvPr/>
-        </p:nvPicPr>
-        <p:blipFill>
-          <a:blip r:embed="rId2"/>
-          <a:stretch>
-            <a:fillRect/>
-          </a:stretch>
-        </p:blipFill>
-        <p:spPr>
-          <a:xfrm>
-            <a:off x="6313446" y="2210383"/>
-            <a:ext cx="5624440" cy="4339707"/>
-          </a:xfrm>
-          <a:prstGeom prst="rect">
-            <a:avLst/>
-          </a:prstGeom>
-        </p:spPr>
-      </p:pic>
-      <p:sp>
-        <p:nvSpPr>
-          <p:cNvPr id="4" name="テキスト ボックス 3">
-            <a:extLst>
-              <a:ext uri="{FF2B5EF4-FFF2-40B4-BE49-F238E27FC236}">
-                <a16:creationId xmlns:a16="http://schemas.microsoft.com/office/drawing/2014/main" id="{C22B58DA-2477-42F9-B003-A2A2AC18AF06}"/>
-              </a:ext>
-            </a:extLst>
-          </p:cNvPr>
-          <p:cNvSpPr txBox="1"/>
-          <p:nvPr/>
-        </p:nvSpPr>
-        <p:spPr>
-          <a:xfrm>
-            <a:off x="681135" y="466531"/>
-            <a:ext cx="11264622" cy="830997"/>
-          </a:xfrm>
-          <a:prstGeom prst="rect">
-            <a:avLst/>
-          </a:prstGeom>
-          <a:noFill/>
-        </p:spPr>
-        <p:txBody>
-          <a:bodyPr wrap="none" rtlCol="0">
-            <a:spAutoFit/>
-          </a:bodyPr>
-          <a:lstStyle/>
-          <a:p>
-            <a:pPr algn="l"/>
-            <a:r>
-              <a:rPr kumimoji="1" lang="ja-JP" altLang="en-US" sz="2400" dirty="0">
-                <a:latin typeface="メイリオ" panose="020B0604030504040204" pitchFamily="50" charset="-128"/>
-                <a:ea typeface="メイリオ" panose="020B0604030504040204" pitchFamily="50" charset="-128"/>
-              </a:rPr>
-              <a:t>ユーザーアカウントを日本語で登録していると正常にインストールできないので</a:t>
-            </a:r>
-            <a:endParaRPr kumimoji="1" lang="en-US" altLang="ja-JP" sz="2400" dirty="0">
-              <a:latin typeface="メイリオ" panose="020B0604030504040204" pitchFamily="50" charset="-128"/>
-              <a:ea typeface="メイリオ" panose="020B0604030504040204" pitchFamily="50" charset="-128"/>
-            </a:endParaRPr>
-          </a:p>
-          <a:p>
-            <a:pPr algn="l"/>
-            <a:r>
-              <a:rPr kumimoji="1" lang="ja-JP" altLang="en-US" sz="2400" dirty="0">
-                <a:latin typeface="メイリオ" panose="020B0604030504040204" pitchFamily="50" charset="-128"/>
-                <a:ea typeface="メイリオ" panose="020B0604030504040204" pitchFamily="50" charset="-128"/>
-              </a:rPr>
-              <a:t>以下のように</a:t>
-            </a:r>
-            <a:r>
-              <a:rPr kumimoji="1" lang="en-US" altLang="ja-JP" sz="2400" dirty="0">
-                <a:latin typeface="メイリオ" panose="020B0604030504040204" pitchFamily="50" charset="-128"/>
-                <a:ea typeface="メイリオ" panose="020B0604030504040204" pitchFamily="50" charset="-128"/>
-              </a:rPr>
-              <a:t>C: </a:t>
-            </a:r>
-            <a:r>
-              <a:rPr kumimoji="1" lang="ja-JP" altLang="en-US" sz="2400" dirty="0">
-                <a:latin typeface="メイリオ" panose="020B0604030504040204" pitchFamily="50" charset="-128"/>
-                <a:ea typeface="メイリオ" panose="020B0604030504040204" pitchFamily="50" charset="-128"/>
-              </a:rPr>
-              <a:t>直下に新規フォルダーを作ってインストール先にする</a:t>
-            </a:r>
-          </a:p>
-        </p:txBody>
-      </p:sp>
-      <p:pic>
-        <p:nvPicPr>
-          <p:cNvPr id="6" name="図 5">
-            <a:extLst>
-              <a:ext uri="{FF2B5EF4-FFF2-40B4-BE49-F238E27FC236}">
-                <a16:creationId xmlns:a16="http://schemas.microsoft.com/office/drawing/2014/main" id="{4298F6E0-494A-ED22-9748-F5DA5BC78EEA}"/>
-              </a:ext>
-            </a:extLst>
-          </p:cNvPr>
-          <p:cNvPicPr>
-            <a:picLocks noChangeAspect="1"/>
-          </p:cNvPicPr>
-          <p:nvPr/>
-        </p:nvPicPr>
-        <p:blipFill>
-          <a:blip r:embed="rId3"/>
-          <a:stretch>
-            <a:fillRect/>
-          </a:stretch>
-        </p:blipFill>
-        <p:spPr>
-          <a:xfrm>
-            <a:off x="508690" y="2210383"/>
-            <a:ext cx="5369865" cy="4427783"/>
-          </a:xfrm>
-          <a:prstGeom prst="rect">
-            <a:avLst/>
-          </a:prstGeom>
-        </p:spPr>
-      </p:pic>
-    </p:spTree>
-    <p:extLst>
-      <p:ext uri="{BB962C8B-B14F-4D97-AF65-F5344CB8AC3E}">
-        <p14:creationId xmlns:p14="http://schemas.microsoft.com/office/powerpoint/2010/main" val="2207839509"/>
-      </p:ext>
-    </p:extLst>
-  </p:cSld>
-  <p:clrMapOvr>
-    <a:masterClrMapping/>
-  </p:clrMapOvr>
-  <p:transition spd="med"/>
-</p:sld>
-</file>
-
-<file path=ppt/slides/slide7.xml><?xml version="1.0" encoding="utf-8"?>
-<p:sld xmlns:a="http://schemas.openxmlformats.org/drawingml/2006/main" xmlns:r="http://schemas.openxmlformats.org/officeDocument/2006/relationships" xmlns:p="http://schemas.openxmlformats.org/presentationml/2006/main">
-  <p:cSld>
-    <p:spTree>
-      <p:nvGrpSpPr>
-        <p:cNvPr id="1" name=""/>
-        <p:cNvGrpSpPr/>
-        <p:nvPr/>
-      </p:nvGrpSpPr>
-      <p:grpSpPr>
-        <a:xfrm>
-          <a:off x="0" y="0"/>
-          <a:ext cx="0" cy="0"/>
-          <a:chOff x="0" y="0"/>
-          <a:chExt cx="0" cy="0"/>
-        </a:xfrm>
-      </p:grpSpPr>
-      <p:pic>
-        <p:nvPicPr>
-          <p:cNvPr id="3" name="図 2">
-            <a:extLst>
-              <a:ext uri="{FF2B5EF4-FFF2-40B4-BE49-F238E27FC236}">
-                <a16:creationId xmlns:a16="http://schemas.microsoft.com/office/drawing/2014/main" id="{A8E45B53-8483-10E5-4183-860FDB3F0BEB}"/>
-              </a:ext>
-            </a:extLst>
-          </p:cNvPr>
-          <p:cNvPicPr>
-            <a:picLocks noChangeAspect="1"/>
-          </p:cNvPicPr>
-          <p:nvPr/>
-        </p:nvPicPr>
-        <p:blipFill>
-          <a:blip r:embed="rId2"/>
-          <a:stretch>
-            <a:fillRect/>
-          </a:stretch>
-        </p:blipFill>
-        <p:spPr>
-          <a:xfrm>
-            <a:off x="2528887" y="661987"/>
-            <a:ext cx="7134225" cy="5534025"/>
-          </a:xfrm>
-          <a:prstGeom prst="rect">
-            <a:avLst/>
-          </a:prstGeom>
-        </p:spPr>
-      </p:pic>
-      <p:sp>
-        <p:nvSpPr>
-          <p:cNvPr id="4" name="テキスト ボックス 3">
-            <a:extLst>
-              <a:ext uri="{FF2B5EF4-FFF2-40B4-BE49-F238E27FC236}">
-                <a16:creationId xmlns:a16="http://schemas.microsoft.com/office/drawing/2014/main" id="{A124677C-14C7-3E39-F42B-87B4E8D56C93}"/>
-              </a:ext>
-            </a:extLst>
-          </p:cNvPr>
-          <p:cNvSpPr txBox="1"/>
-          <p:nvPr/>
-        </p:nvSpPr>
-        <p:spPr>
-          <a:xfrm>
-            <a:off x="457200" y="368230"/>
-            <a:ext cx="5109091" cy="461665"/>
-          </a:xfrm>
-          <a:prstGeom prst="rect">
-            <a:avLst/>
-          </a:prstGeom>
-          <a:noFill/>
-        </p:spPr>
-        <p:txBody>
-          <a:bodyPr wrap="none" rtlCol="0">
-            <a:spAutoFit/>
-          </a:bodyPr>
-          <a:lstStyle/>
-          <a:p>
-            <a:pPr algn="l"/>
-            <a:r>
-              <a:rPr kumimoji="1" lang="ja-JP" altLang="en-US" sz="2400" dirty="0">
-                <a:latin typeface="メイリオ" panose="020B0604030504040204" pitchFamily="50" charset="-128"/>
-                <a:ea typeface="メイリオ" panose="020B0604030504040204" pitchFamily="50" charset="-128"/>
-              </a:rPr>
-              <a:t>かならずチェックマークを入れる！</a:t>
-            </a:r>
-          </a:p>
-        </p:txBody>
-      </p:sp>
-      <p:sp>
-        <p:nvSpPr>
-          <p:cNvPr id="6" name="吹き出し: 角を丸めた四角形 5">
-            <a:extLst>
-              <a:ext uri="{FF2B5EF4-FFF2-40B4-BE49-F238E27FC236}">
-                <a16:creationId xmlns:a16="http://schemas.microsoft.com/office/drawing/2014/main" id="{D7667036-E093-5B2F-84C3-6FFBEF16BD4B}"/>
-              </a:ext>
-            </a:extLst>
-          </p:cNvPr>
-          <p:cNvSpPr/>
-          <p:nvPr/>
-        </p:nvSpPr>
-        <p:spPr>
-          <a:xfrm>
-            <a:off x="289249" y="368230"/>
-            <a:ext cx="5174405" cy="555501"/>
-          </a:xfrm>
-          <a:prstGeom prst="wedgeRoundRectCallout">
-            <a:avLst>
-              <a:gd name="adj1" fmla="val 8379"/>
-              <a:gd name="adj2" fmla="val 295950"/>
-              <a:gd name="adj3" fmla="val 16667"/>
-            </a:avLst>
-          </a:prstGeom>
-          <a:noFill/>
-        </p:spPr>
-        <p:style>
-          <a:lnRef idx="2">
-            <a:schemeClr val="accent1">
-              <a:shade val="50000"/>
-            </a:schemeClr>
-          </a:lnRef>
-          <a:fillRef idx="1">
-            <a:schemeClr val="accent1"/>
-          </a:fillRef>
-          <a:effectRef idx="0">
-            <a:schemeClr val="accent1"/>
-          </a:effectRef>
-          <a:fontRef idx="minor">
-            <a:schemeClr val="lt1"/>
-          </a:fontRef>
-        </p:style>
-        <p:txBody>
-          <a:bodyPr rtlCol="0" anchor="ctr"/>
-          <a:lstStyle/>
-          <a:p>
-            <a:pPr algn="ctr"/>
-            <a:endParaRPr kumimoji="1" lang="ja-JP" altLang="en-US"/>
-          </a:p>
-        </p:txBody>
-      </p:sp>
-    </p:spTree>
-    <p:extLst>
-      <p:ext uri="{BB962C8B-B14F-4D97-AF65-F5344CB8AC3E}">
-        <p14:creationId xmlns:p14="http://schemas.microsoft.com/office/powerpoint/2010/main" val="3258666181"/>
       </p:ext>
     </p:extLst>
   </p:cSld>

--- a/anaconda.pptx
+++ b/anaconda.pptx
@@ -5,7 +5,7 @@
     <p:sldMasterId id="2147483673" r:id="rId1"/>
   </p:sldMasterIdLst>
   <p:notesMasterIdLst>
-    <p:notesMasterId r:id="rId13"/>
+    <p:notesMasterId r:id="rId15"/>
   </p:notesMasterIdLst>
   <p:sldIdLst>
     <p:sldId id="1210" r:id="rId2"/>
@@ -16,9 +16,11 @@
     <p:sldId id="1220" r:id="rId7"/>
     <p:sldId id="1218" r:id="rId8"/>
     <p:sldId id="1223" r:id="rId9"/>
-    <p:sldId id="1224" r:id="rId10"/>
-    <p:sldId id="1221" r:id="rId11"/>
-    <p:sldId id="1217" r:id="rId12"/>
+    <p:sldId id="1227" r:id="rId10"/>
+    <p:sldId id="1228" r:id="rId11"/>
+    <p:sldId id="1229" r:id="rId12"/>
+    <p:sldId id="1221" r:id="rId13"/>
+    <p:sldId id="1217" r:id="rId14"/>
   </p:sldIdLst>
   <p:sldSz cx="12192000" cy="6858000"/>
   <p:notesSz cx="6858000" cy="9144000"/>
@@ -3805,6 +3807,694 @@
       </p:grpSpPr>
       <p:sp>
         <p:nvSpPr>
+          <p:cNvPr id="6" name="テキスト ボックス 5">
+            <a:extLst>
+              <a:ext uri="{FF2B5EF4-FFF2-40B4-BE49-F238E27FC236}">
+                <a16:creationId xmlns:a16="http://schemas.microsoft.com/office/drawing/2014/main" id="{5D9AD38F-6F2A-57C2-331A-39AC73CA596D}"/>
+              </a:ext>
+            </a:extLst>
+          </p:cNvPr>
+          <p:cNvSpPr txBox="1"/>
+          <p:nvPr/>
+        </p:nvSpPr>
+        <p:spPr>
+          <a:xfrm>
+            <a:off x="1560431" y="585395"/>
+            <a:ext cx="1415772" cy="461665"/>
+          </a:xfrm>
+          <a:prstGeom prst="rect">
+            <a:avLst/>
+          </a:prstGeom>
+          <a:noFill/>
+        </p:spPr>
+        <p:txBody>
+          <a:bodyPr wrap="none" rtlCol="0">
+            <a:spAutoFit/>
+          </a:bodyPr>
+          <a:lstStyle/>
+          <a:p>
+            <a:pPr algn="l"/>
+            <a:r>
+              <a:rPr kumimoji="1" lang="ja-JP" altLang="en-US" sz="2400" dirty="0">
+                <a:latin typeface="メイリオ" panose="020B0604030504040204" pitchFamily="50" charset="-128"/>
+                <a:ea typeface="メイリオ" panose="020B0604030504040204" pitchFamily="50" charset="-128"/>
+              </a:rPr>
+              <a:t>動作確認</a:t>
+            </a:r>
+          </a:p>
+        </p:txBody>
+      </p:sp>
+      <p:sp>
+        <p:nvSpPr>
+          <p:cNvPr id="2" name="テキスト ボックス 1">
+            <a:extLst>
+              <a:ext uri="{FF2B5EF4-FFF2-40B4-BE49-F238E27FC236}">
+                <a16:creationId xmlns:a16="http://schemas.microsoft.com/office/drawing/2014/main" id="{E1C5BC72-04EF-624B-712D-E97E8C8D271E}"/>
+              </a:ext>
+            </a:extLst>
+          </p:cNvPr>
+          <p:cNvSpPr txBox="1"/>
+          <p:nvPr/>
+        </p:nvSpPr>
+        <p:spPr>
+          <a:xfrm>
+            <a:off x="615820" y="354563"/>
+            <a:ext cx="800219" cy="461665"/>
+          </a:xfrm>
+          <a:prstGeom prst="rect">
+            <a:avLst/>
+          </a:prstGeom>
+          <a:noFill/>
+        </p:spPr>
+        <p:txBody>
+          <a:bodyPr wrap="none" rtlCol="0">
+            <a:spAutoFit/>
+          </a:bodyPr>
+          <a:lstStyle/>
+          <a:p>
+            <a:pPr algn="l"/>
+            <a:r>
+              <a:rPr kumimoji="1" lang="ja-JP" altLang="en-US" sz="2400" dirty="0">
+                <a:latin typeface="メイリオ" panose="020B0604030504040204" pitchFamily="50" charset="-128"/>
+                <a:ea typeface="メイリオ" panose="020B0604030504040204" pitchFamily="50" charset="-128"/>
+              </a:rPr>
+              <a:t>続き</a:t>
+            </a:r>
+          </a:p>
+        </p:txBody>
+      </p:sp>
+      <p:sp>
+        <p:nvSpPr>
+          <p:cNvPr id="3" name="テキスト ボックス 2">
+            <a:extLst>
+              <a:ext uri="{FF2B5EF4-FFF2-40B4-BE49-F238E27FC236}">
+                <a16:creationId xmlns:a16="http://schemas.microsoft.com/office/drawing/2014/main" id="{6A104A18-B2A1-7CDB-DB90-25A2203AD2A2}"/>
+              </a:ext>
+            </a:extLst>
+          </p:cNvPr>
+          <p:cNvSpPr txBox="1"/>
+          <p:nvPr/>
+        </p:nvSpPr>
+        <p:spPr>
+          <a:xfrm>
+            <a:off x="1560431" y="1047060"/>
+            <a:ext cx="9071138" cy="830997"/>
+          </a:xfrm>
+          <a:prstGeom prst="rect">
+            <a:avLst/>
+          </a:prstGeom>
+          <a:noFill/>
+        </p:spPr>
+        <p:txBody>
+          <a:bodyPr wrap="none" rtlCol="0">
+            <a:spAutoFit/>
+          </a:bodyPr>
+          <a:lstStyle/>
+          <a:p>
+            <a:pPr algn="l"/>
+            <a:r>
+              <a:rPr kumimoji="1" lang="en-US" altLang="ja-JP" sz="2400" dirty="0">
+                <a:latin typeface="メイリオ" panose="020B0604030504040204" pitchFamily="50" charset="-128"/>
+                <a:ea typeface="メイリオ" panose="020B0604030504040204" pitchFamily="50" charset="-128"/>
+              </a:rPr>
+              <a:t>bigdata2_system_and_python</a:t>
+            </a:r>
+            <a:r>
+              <a:rPr kumimoji="1" lang="ja-JP" altLang="en-US" sz="2400" dirty="0">
+                <a:latin typeface="メイリオ" panose="020B0604030504040204" pitchFamily="50" charset="-128"/>
+                <a:ea typeface="メイリオ" panose="020B0604030504040204" pitchFamily="50" charset="-128"/>
+              </a:rPr>
+              <a:t>中の</a:t>
+            </a:r>
+            <a:r>
+              <a:rPr kumimoji="1" lang="en-US" altLang="ja-JP" sz="2400" dirty="0">
+                <a:latin typeface="メイリオ" panose="020B0604030504040204" pitchFamily="50" charset="-128"/>
+                <a:ea typeface="メイリオ" panose="020B0604030504040204" pitchFamily="50" charset="-128"/>
+              </a:rPr>
+              <a:t>README.md</a:t>
+            </a:r>
+            <a:r>
+              <a:rPr kumimoji="1" lang="ja-JP" altLang="en-US" sz="2400" dirty="0">
+                <a:latin typeface="メイリオ" panose="020B0604030504040204" pitchFamily="50" charset="-128"/>
+                <a:ea typeface="メイリオ" panose="020B0604030504040204" pitchFamily="50" charset="-128"/>
+              </a:rPr>
+              <a:t>を右クリック</a:t>
+            </a:r>
+            <a:endParaRPr kumimoji="1" lang="en-US" altLang="ja-JP" sz="2400" dirty="0">
+              <a:latin typeface="メイリオ" panose="020B0604030504040204" pitchFamily="50" charset="-128"/>
+              <a:ea typeface="メイリオ" panose="020B0604030504040204" pitchFamily="50" charset="-128"/>
+            </a:endParaRPr>
+          </a:p>
+          <a:p>
+            <a:pPr algn="l"/>
+            <a:r>
+              <a:rPr kumimoji="1" lang="ja-JP" altLang="en-US" sz="2400" dirty="0">
+                <a:latin typeface="メイリオ" panose="020B0604030504040204" pitchFamily="50" charset="-128"/>
+                <a:ea typeface="メイリオ" panose="020B0604030504040204" pitchFamily="50" charset="-128"/>
+              </a:rPr>
+              <a:t>→　プログラムから開く　→　</a:t>
+            </a:r>
+            <a:r>
+              <a:rPr kumimoji="1" lang="en-US" altLang="ja-JP" sz="2400" dirty="0">
+                <a:latin typeface="メイリオ" panose="020B0604030504040204" pitchFamily="50" charset="-128"/>
+                <a:ea typeface="メイリオ" panose="020B0604030504040204" pitchFamily="50" charset="-128"/>
+              </a:rPr>
+              <a:t>Google Chrome</a:t>
+            </a:r>
+            <a:endParaRPr kumimoji="1" lang="ja-JP" altLang="en-US" sz="2400" dirty="0">
+              <a:latin typeface="メイリオ" panose="020B0604030504040204" pitchFamily="50" charset="-128"/>
+              <a:ea typeface="メイリオ" panose="020B0604030504040204" pitchFamily="50" charset="-128"/>
+            </a:endParaRPr>
+          </a:p>
+        </p:txBody>
+      </p:sp>
+      <p:pic>
+        <p:nvPicPr>
+          <p:cNvPr id="5" name="図 4">
+            <a:extLst>
+              <a:ext uri="{FF2B5EF4-FFF2-40B4-BE49-F238E27FC236}">
+                <a16:creationId xmlns:a16="http://schemas.microsoft.com/office/drawing/2014/main" id="{4DFA490E-F379-B1F4-8D32-8B6B6E862B31}"/>
+              </a:ext>
+            </a:extLst>
+          </p:cNvPr>
+          <p:cNvPicPr>
+            <a:picLocks noChangeAspect="1"/>
+          </p:cNvPicPr>
+          <p:nvPr/>
+        </p:nvPicPr>
+        <p:blipFill>
+          <a:blip r:embed="rId2"/>
+          <a:stretch>
+            <a:fillRect/>
+          </a:stretch>
+        </p:blipFill>
+        <p:spPr>
+          <a:xfrm>
+            <a:off x="1755035" y="2018169"/>
+            <a:ext cx="6591871" cy="4557155"/>
+          </a:xfrm>
+          <a:prstGeom prst="rect">
+            <a:avLst/>
+          </a:prstGeom>
+        </p:spPr>
+      </p:pic>
+    </p:spTree>
+    <p:extLst>
+      <p:ext uri="{BB962C8B-B14F-4D97-AF65-F5344CB8AC3E}">
+        <p14:creationId xmlns:p14="http://schemas.microsoft.com/office/powerpoint/2010/main" val="3809920460"/>
+      </p:ext>
+    </p:extLst>
+  </p:cSld>
+  <p:clrMapOvr>
+    <a:masterClrMapping/>
+  </p:clrMapOvr>
+  <p:transition spd="med"/>
+</p:sld>
+</file>
+
+<file path=ppt/slides/slide11.xml><?xml version="1.0" encoding="utf-8"?>
+<p:sld xmlns:a="http://schemas.openxmlformats.org/drawingml/2006/main" xmlns:r="http://schemas.openxmlformats.org/officeDocument/2006/relationships" xmlns:p="http://schemas.openxmlformats.org/presentationml/2006/main">
+  <p:cSld>
+    <p:spTree>
+      <p:nvGrpSpPr>
+        <p:cNvPr id="1" name=""/>
+        <p:cNvGrpSpPr/>
+        <p:nvPr/>
+      </p:nvGrpSpPr>
+      <p:grpSpPr>
+        <a:xfrm>
+          <a:off x="0" y="0"/>
+          <a:ext cx="0" cy="0"/>
+          <a:chOff x="0" y="0"/>
+          <a:chExt cx="0" cy="0"/>
+        </a:xfrm>
+      </p:grpSpPr>
+      <p:sp>
+        <p:nvSpPr>
+          <p:cNvPr id="2" name="テキスト ボックス 1">
+            <a:extLst>
+              <a:ext uri="{FF2B5EF4-FFF2-40B4-BE49-F238E27FC236}">
+                <a16:creationId xmlns:a16="http://schemas.microsoft.com/office/drawing/2014/main" id="{4B091F4D-5CFB-417E-3393-67BDF534901F}"/>
+              </a:ext>
+            </a:extLst>
+          </p:cNvPr>
+          <p:cNvSpPr txBox="1"/>
+          <p:nvPr/>
+        </p:nvSpPr>
+        <p:spPr>
+          <a:xfrm>
+            <a:off x="245038" y="228633"/>
+            <a:ext cx="3674404" cy="461665"/>
+          </a:xfrm>
+          <a:prstGeom prst="rect">
+            <a:avLst/>
+          </a:prstGeom>
+          <a:noFill/>
+        </p:spPr>
+        <p:txBody>
+          <a:bodyPr wrap="none" rtlCol="0">
+            <a:spAutoFit/>
+          </a:bodyPr>
+          <a:lstStyle/>
+          <a:p>
+            <a:pPr algn="l"/>
+            <a:r>
+              <a:rPr kumimoji="1" lang="ja-JP" altLang="en-US" sz="2400" dirty="0">
+                <a:latin typeface="メイリオ" panose="020B0604030504040204" pitchFamily="50" charset="-128"/>
+                <a:ea typeface="メイリオ" panose="020B0604030504040204" pitchFamily="50" charset="-128"/>
+              </a:rPr>
+              <a:t>動作確認</a:t>
+            </a:r>
+            <a:r>
+              <a:rPr kumimoji="1" lang="en-US" altLang="ja-JP" sz="2400" dirty="0">
+                <a:latin typeface="メイリオ" panose="020B0604030504040204" pitchFamily="50" charset="-128"/>
+                <a:ea typeface="メイリオ" panose="020B0604030504040204" pitchFamily="50" charset="-128"/>
+              </a:rPr>
+              <a:t> </a:t>
+            </a:r>
+            <a:r>
+              <a:rPr kumimoji="1" lang="ja-JP" altLang="en-US" sz="2400" dirty="0">
+                <a:latin typeface="メイリオ" panose="020B0604030504040204" pitchFamily="50" charset="-128"/>
+                <a:ea typeface="メイリオ" panose="020B0604030504040204" pitchFamily="50" charset="-128"/>
+              </a:rPr>
+              <a:t>もう一つの方法</a:t>
+            </a:r>
+            <a:endParaRPr kumimoji="1" lang="en-US" altLang="ja-JP" sz="2400" dirty="0">
+              <a:latin typeface="メイリオ" panose="020B0604030504040204" pitchFamily="50" charset="-128"/>
+              <a:ea typeface="メイリオ" panose="020B0604030504040204" pitchFamily="50" charset="-128"/>
+            </a:endParaRPr>
+          </a:p>
+        </p:txBody>
+      </p:sp>
+      <p:pic>
+        <p:nvPicPr>
+          <p:cNvPr id="4" name="図 3">
+            <a:extLst>
+              <a:ext uri="{FF2B5EF4-FFF2-40B4-BE49-F238E27FC236}">
+                <a16:creationId xmlns:a16="http://schemas.microsoft.com/office/drawing/2014/main" id="{3E5C7B6D-5261-67EB-E901-CAE8218BF84C}"/>
+              </a:ext>
+            </a:extLst>
+          </p:cNvPr>
+          <p:cNvPicPr>
+            <a:picLocks noChangeAspect="1"/>
+          </p:cNvPicPr>
+          <p:nvPr/>
+        </p:nvPicPr>
+        <p:blipFill>
+          <a:blip r:embed="rId2"/>
+          <a:stretch>
+            <a:fillRect/>
+          </a:stretch>
+        </p:blipFill>
+        <p:spPr>
+          <a:xfrm>
+            <a:off x="394328" y="1214396"/>
+            <a:ext cx="4414721" cy="2983202"/>
+          </a:xfrm>
+          <a:prstGeom prst="rect">
+            <a:avLst/>
+          </a:prstGeom>
+        </p:spPr>
+      </p:pic>
+      <p:sp>
+        <p:nvSpPr>
+          <p:cNvPr id="5" name="四角形: 角を丸くする 4">
+            <a:extLst>
+              <a:ext uri="{FF2B5EF4-FFF2-40B4-BE49-F238E27FC236}">
+                <a16:creationId xmlns:a16="http://schemas.microsoft.com/office/drawing/2014/main" id="{7A404B49-907F-46CF-AE83-5E16C43C804E}"/>
+              </a:ext>
+            </a:extLst>
+          </p:cNvPr>
+          <p:cNvSpPr/>
+          <p:nvPr/>
+        </p:nvSpPr>
+        <p:spPr>
+          <a:xfrm>
+            <a:off x="1034343" y="2583768"/>
+            <a:ext cx="1114053" cy="326571"/>
+          </a:xfrm>
+          <a:prstGeom prst="roundRect">
+            <a:avLst/>
+          </a:prstGeom>
+          <a:noFill/>
+          <a:ln>
+            <a:solidFill>
+              <a:srgbClr val="FF0000"/>
+            </a:solidFill>
+          </a:ln>
+        </p:spPr>
+        <p:style>
+          <a:lnRef idx="2">
+            <a:schemeClr val="accent1">
+              <a:shade val="15000"/>
+            </a:schemeClr>
+          </a:lnRef>
+          <a:fillRef idx="1">
+            <a:schemeClr val="accent1"/>
+          </a:fillRef>
+          <a:effectRef idx="0">
+            <a:schemeClr val="accent1"/>
+          </a:effectRef>
+          <a:fontRef idx="minor">
+            <a:schemeClr val="lt1"/>
+          </a:fontRef>
+        </p:style>
+        <p:txBody>
+          <a:bodyPr rtlCol="0" anchor="ctr"/>
+          <a:lstStyle/>
+          <a:p>
+            <a:pPr algn="ctr"/>
+            <a:endParaRPr kumimoji="1" lang="ja-JP" altLang="en-US"/>
+          </a:p>
+        </p:txBody>
+      </p:sp>
+      <p:sp>
+        <p:nvSpPr>
+          <p:cNvPr id="6" name="テキスト ボックス 5">
+            <a:extLst>
+              <a:ext uri="{FF2B5EF4-FFF2-40B4-BE49-F238E27FC236}">
+                <a16:creationId xmlns:a16="http://schemas.microsoft.com/office/drawing/2014/main" id="{0CCED166-1552-80C5-ED47-054C6D9AD008}"/>
+              </a:ext>
+            </a:extLst>
+          </p:cNvPr>
+          <p:cNvSpPr txBox="1"/>
+          <p:nvPr/>
+        </p:nvSpPr>
+        <p:spPr>
+          <a:xfrm>
+            <a:off x="317241" y="752730"/>
+            <a:ext cx="10144124" cy="461665"/>
+          </a:xfrm>
+          <a:prstGeom prst="rect">
+            <a:avLst/>
+          </a:prstGeom>
+          <a:noFill/>
+        </p:spPr>
+        <p:txBody>
+          <a:bodyPr wrap="none" rtlCol="0">
+            <a:spAutoFit/>
+          </a:bodyPr>
+          <a:lstStyle/>
+          <a:p>
+            <a:pPr algn="l"/>
+            <a:r>
+              <a:rPr kumimoji="1" lang="en-US" altLang="ja-JP" sz="2400" dirty="0">
+                <a:latin typeface="メイリオ" panose="020B0604030504040204" pitchFamily="50" charset="-128"/>
+                <a:ea typeface="メイリオ" panose="020B0604030504040204" pitchFamily="50" charset="-128"/>
+              </a:rPr>
+              <a:t>README.md</a:t>
+            </a:r>
+            <a:r>
+              <a:rPr kumimoji="1" lang="ja-JP" altLang="en-US" sz="2400" dirty="0">
+                <a:latin typeface="メイリオ" panose="020B0604030504040204" pitchFamily="50" charset="-128"/>
+                <a:ea typeface="メイリオ" panose="020B0604030504040204" pitchFamily="50" charset="-128"/>
+              </a:rPr>
+              <a:t>を右クリック→プロパティ→変更→</a:t>
+            </a:r>
+            <a:r>
+              <a:rPr kumimoji="1" lang="en-US" altLang="ja-JP" sz="2400" dirty="0">
+                <a:latin typeface="メイリオ" panose="020B0604030504040204" pitchFamily="50" charset="-128"/>
+                <a:ea typeface="メイリオ" panose="020B0604030504040204" pitchFamily="50" charset="-128"/>
+              </a:rPr>
+              <a:t>PC</a:t>
+            </a:r>
+            <a:r>
+              <a:rPr kumimoji="1" lang="ja-JP" altLang="en-US" sz="2400" dirty="0">
+                <a:latin typeface="メイリオ" panose="020B0604030504040204" pitchFamily="50" charset="-128"/>
+                <a:ea typeface="メイリオ" panose="020B0604030504040204" pitchFamily="50" charset="-128"/>
+              </a:rPr>
+              <a:t>でアプリを選択する</a:t>
+            </a:r>
+          </a:p>
+        </p:txBody>
+      </p:sp>
+      <p:pic>
+        <p:nvPicPr>
+          <p:cNvPr id="8" name="図 7">
+            <a:extLst>
+              <a:ext uri="{FF2B5EF4-FFF2-40B4-BE49-F238E27FC236}">
+                <a16:creationId xmlns:a16="http://schemas.microsoft.com/office/drawing/2014/main" id="{E35D7049-D757-C158-0F24-634358E1A8E9}"/>
+              </a:ext>
+            </a:extLst>
+          </p:cNvPr>
+          <p:cNvPicPr>
+            <a:picLocks noChangeAspect="1"/>
+          </p:cNvPicPr>
+          <p:nvPr/>
+        </p:nvPicPr>
+        <p:blipFill>
+          <a:blip r:embed="rId3"/>
+          <a:stretch>
+            <a:fillRect/>
+          </a:stretch>
+        </p:blipFill>
+        <p:spPr>
+          <a:xfrm>
+            <a:off x="5573212" y="1232070"/>
+            <a:ext cx="2668449" cy="3356539"/>
+          </a:xfrm>
+          <a:prstGeom prst="rect">
+            <a:avLst/>
+          </a:prstGeom>
+        </p:spPr>
+      </p:pic>
+      <p:pic>
+        <p:nvPicPr>
+          <p:cNvPr id="10" name="図 9">
+            <a:extLst>
+              <a:ext uri="{FF2B5EF4-FFF2-40B4-BE49-F238E27FC236}">
+                <a16:creationId xmlns:a16="http://schemas.microsoft.com/office/drawing/2014/main" id="{42F099F0-B992-2F6C-C626-F974BFAB7868}"/>
+              </a:ext>
+            </a:extLst>
+          </p:cNvPr>
+          <p:cNvPicPr>
+            <a:picLocks noChangeAspect="1"/>
+          </p:cNvPicPr>
+          <p:nvPr/>
+        </p:nvPicPr>
+        <p:blipFill>
+          <a:blip r:embed="rId4"/>
+          <a:stretch>
+            <a:fillRect/>
+          </a:stretch>
+        </p:blipFill>
+        <p:spPr>
+          <a:xfrm>
+            <a:off x="8881538" y="1196719"/>
+            <a:ext cx="2696628" cy="3391890"/>
+          </a:xfrm>
+          <a:prstGeom prst="rect">
+            <a:avLst/>
+          </a:prstGeom>
+        </p:spPr>
+      </p:pic>
+      <p:pic>
+        <p:nvPicPr>
+          <p:cNvPr id="12" name="図 11">
+            <a:extLst>
+              <a:ext uri="{FF2B5EF4-FFF2-40B4-BE49-F238E27FC236}">
+                <a16:creationId xmlns:a16="http://schemas.microsoft.com/office/drawing/2014/main" id="{BF590613-F532-BB20-0AA7-4C8040218354}"/>
+              </a:ext>
+            </a:extLst>
+          </p:cNvPr>
+          <p:cNvPicPr>
+            <a:picLocks noChangeAspect="1"/>
+          </p:cNvPicPr>
+          <p:nvPr/>
+        </p:nvPicPr>
+        <p:blipFill>
+          <a:blip r:embed="rId5"/>
+          <a:stretch>
+            <a:fillRect/>
+          </a:stretch>
+        </p:blipFill>
+        <p:spPr>
+          <a:xfrm>
+            <a:off x="613834" y="4361984"/>
+            <a:ext cx="3827178" cy="2381808"/>
+          </a:xfrm>
+          <a:prstGeom prst="rect">
+            <a:avLst/>
+          </a:prstGeom>
+        </p:spPr>
+      </p:pic>
+      <p:sp>
+        <p:nvSpPr>
+          <p:cNvPr id="13" name="矢印: 右 12">
+            <a:extLst>
+              <a:ext uri="{FF2B5EF4-FFF2-40B4-BE49-F238E27FC236}">
+                <a16:creationId xmlns:a16="http://schemas.microsoft.com/office/drawing/2014/main" id="{49EDB0F4-2E57-23AA-4595-9C0900E14809}"/>
+              </a:ext>
+            </a:extLst>
+          </p:cNvPr>
+          <p:cNvSpPr/>
+          <p:nvPr/>
+        </p:nvSpPr>
+        <p:spPr>
+          <a:xfrm>
+            <a:off x="5028595" y="2591693"/>
+            <a:ext cx="449357" cy="719091"/>
+          </a:xfrm>
+          <a:prstGeom prst="rightArrow">
+            <a:avLst/>
+          </a:prstGeom>
+        </p:spPr>
+        <p:style>
+          <a:lnRef idx="2">
+            <a:schemeClr val="accent1">
+              <a:shade val="15000"/>
+            </a:schemeClr>
+          </a:lnRef>
+          <a:fillRef idx="1">
+            <a:schemeClr val="accent1"/>
+          </a:fillRef>
+          <a:effectRef idx="0">
+            <a:schemeClr val="accent1"/>
+          </a:effectRef>
+          <a:fontRef idx="minor">
+            <a:schemeClr val="lt1"/>
+          </a:fontRef>
+        </p:style>
+        <p:txBody>
+          <a:bodyPr rtlCol="0" anchor="ctr"/>
+          <a:lstStyle/>
+          <a:p>
+            <a:pPr algn="ctr"/>
+            <a:endParaRPr kumimoji="1" lang="ja-JP" altLang="en-US"/>
+          </a:p>
+        </p:txBody>
+      </p:sp>
+      <p:sp>
+        <p:nvSpPr>
+          <p:cNvPr id="14" name="矢印: 右 13">
+            <a:extLst>
+              <a:ext uri="{FF2B5EF4-FFF2-40B4-BE49-F238E27FC236}">
+                <a16:creationId xmlns:a16="http://schemas.microsoft.com/office/drawing/2014/main" id="{44C1A163-D779-1593-CA73-6E58ECB01DAD}"/>
+              </a:ext>
+            </a:extLst>
+          </p:cNvPr>
+          <p:cNvSpPr/>
+          <p:nvPr/>
+        </p:nvSpPr>
+        <p:spPr>
+          <a:xfrm>
+            <a:off x="8337856" y="2591692"/>
+            <a:ext cx="449357" cy="719091"/>
+          </a:xfrm>
+          <a:prstGeom prst="rightArrow">
+            <a:avLst/>
+          </a:prstGeom>
+        </p:spPr>
+        <p:style>
+          <a:lnRef idx="2">
+            <a:schemeClr val="accent1">
+              <a:shade val="15000"/>
+            </a:schemeClr>
+          </a:lnRef>
+          <a:fillRef idx="1">
+            <a:schemeClr val="accent1"/>
+          </a:fillRef>
+          <a:effectRef idx="0">
+            <a:schemeClr val="accent1"/>
+          </a:effectRef>
+          <a:fontRef idx="minor">
+            <a:schemeClr val="lt1"/>
+          </a:fontRef>
+        </p:style>
+        <p:txBody>
+          <a:bodyPr rtlCol="0" anchor="ctr"/>
+          <a:lstStyle/>
+          <a:p>
+            <a:pPr algn="ctr"/>
+            <a:endParaRPr kumimoji="1" lang="ja-JP" altLang="en-US"/>
+          </a:p>
+        </p:txBody>
+      </p:sp>
+      <p:sp>
+        <p:nvSpPr>
+          <p:cNvPr id="15" name="四角形: 角を丸くする 14">
+            <a:extLst>
+              <a:ext uri="{FF2B5EF4-FFF2-40B4-BE49-F238E27FC236}">
+                <a16:creationId xmlns:a16="http://schemas.microsoft.com/office/drawing/2014/main" id="{6A2E9812-16F2-D861-BD25-CD4B5ABAC823}"/>
+              </a:ext>
+            </a:extLst>
+          </p:cNvPr>
+          <p:cNvSpPr/>
+          <p:nvPr/>
+        </p:nvSpPr>
+        <p:spPr>
+          <a:xfrm>
+            <a:off x="8925926" y="4262038"/>
+            <a:ext cx="1114053" cy="326571"/>
+          </a:xfrm>
+          <a:prstGeom prst="roundRect">
+            <a:avLst/>
+          </a:prstGeom>
+          <a:noFill/>
+          <a:ln>
+            <a:solidFill>
+              <a:srgbClr val="FF0000"/>
+            </a:solidFill>
+          </a:ln>
+        </p:spPr>
+        <p:style>
+          <a:lnRef idx="2">
+            <a:schemeClr val="accent1">
+              <a:shade val="15000"/>
+            </a:schemeClr>
+          </a:lnRef>
+          <a:fillRef idx="1">
+            <a:schemeClr val="accent1"/>
+          </a:fillRef>
+          <a:effectRef idx="0">
+            <a:schemeClr val="accent1"/>
+          </a:effectRef>
+          <a:fontRef idx="minor">
+            <a:schemeClr val="lt1"/>
+          </a:fontRef>
+        </p:style>
+        <p:txBody>
+          <a:bodyPr rtlCol="0" anchor="ctr"/>
+          <a:lstStyle/>
+          <a:p>
+            <a:pPr algn="ctr"/>
+            <a:endParaRPr kumimoji="1" lang="ja-JP" altLang="en-US"/>
+          </a:p>
+        </p:txBody>
+      </p:sp>
+    </p:spTree>
+    <p:extLst>
+      <p:ext uri="{BB962C8B-B14F-4D97-AF65-F5344CB8AC3E}">
+        <p14:creationId xmlns:p14="http://schemas.microsoft.com/office/powerpoint/2010/main" val="2894625549"/>
+      </p:ext>
+    </p:extLst>
+  </p:cSld>
+  <p:clrMapOvr>
+    <a:masterClrMapping/>
+  </p:clrMapOvr>
+  <p:transition spd="med"/>
+</p:sld>
+</file>
+
+<file path=ppt/slides/slide12.xml><?xml version="1.0" encoding="utf-8"?>
+<p:sld xmlns:a="http://schemas.openxmlformats.org/drawingml/2006/main" xmlns:r="http://schemas.openxmlformats.org/officeDocument/2006/relationships" xmlns:p="http://schemas.openxmlformats.org/presentationml/2006/main">
+  <p:cSld>
+    <p:spTree>
+      <p:nvGrpSpPr>
+        <p:cNvPr id="1" name=""/>
+        <p:cNvGrpSpPr/>
+        <p:nvPr/>
+      </p:nvGrpSpPr>
+      <p:grpSpPr>
+        <a:xfrm>
+          <a:off x="0" y="0"/>
+          <a:ext cx="0" cy="0"/>
+          <a:chOff x="0" y="0"/>
+          <a:chExt cx="0" cy="0"/>
+        </a:xfrm>
+      </p:grpSpPr>
+      <p:sp>
+        <p:nvSpPr>
           <p:cNvPr id="2" name="テキスト ボックス 1">
             <a:extLst>
               <a:ext uri="{FF2B5EF4-FFF2-40B4-BE49-F238E27FC236}">
@@ -3856,7 +4546,7 @@
 </p:sld>
 </file>
 
-<file path=ppt/slides/slide11.xml><?xml version="1.0" encoding="utf-8"?>
+<file path=ppt/slides/slide13.xml><?xml version="1.0" encoding="utf-8"?>
 <p:sld xmlns:a="http://schemas.openxmlformats.org/drawingml/2006/main" xmlns:r="http://schemas.openxmlformats.org/officeDocument/2006/relationships" xmlns:p="http://schemas.openxmlformats.org/presentationml/2006/main">
   <p:cSld>
     <p:spTree>
@@ -5517,7 +6207,7 @@
         </p:nvSpPr>
         <p:spPr>
           <a:xfrm>
-            <a:off x="709127" y="2771192"/>
+            <a:off x="735789" y="2467347"/>
             <a:ext cx="8270021" cy="830997"/>
           </a:xfrm>
           <a:prstGeom prst="rect">
@@ -5568,7 +6258,7 @@
         </p:nvSpPr>
         <p:spPr>
           <a:xfrm>
-            <a:off x="839755" y="2341984"/>
+            <a:off x="735789" y="2026513"/>
             <a:ext cx="3877985" cy="461665"/>
           </a:xfrm>
           <a:prstGeom prst="rect">
@@ -5593,10 +6283,79 @@
           </a:p>
         </p:txBody>
       </p:sp>
+      <p:pic>
+        <p:nvPicPr>
+          <p:cNvPr id="8" name="図 7">
+            <a:extLst>
+              <a:ext uri="{FF2B5EF4-FFF2-40B4-BE49-F238E27FC236}">
+                <a16:creationId xmlns:a16="http://schemas.microsoft.com/office/drawing/2014/main" id="{FF44B8F1-5AAA-254B-F8F5-44633C8E6AD3}"/>
+              </a:ext>
+            </a:extLst>
+          </p:cNvPr>
+          <p:cNvPicPr>
+            <a:picLocks noChangeAspect="1"/>
+          </p:cNvPicPr>
+          <p:nvPr/>
+        </p:nvPicPr>
+        <p:blipFill>
+          <a:blip r:embed="rId3"/>
+          <a:stretch>
+            <a:fillRect/>
+          </a:stretch>
+        </p:blipFill>
+        <p:spPr>
+          <a:xfrm>
+            <a:off x="643812" y="3553954"/>
+            <a:ext cx="5924605" cy="1987192"/>
+          </a:xfrm>
+          <a:prstGeom prst="rect">
+            <a:avLst/>
+          </a:prstGeom>
+        </p:spPr>
+      </p:pic>
+      <p:sp>
+        <p:nvSpPr>
+          <p:cNvPr id="9" name="テキスト ボックス 8">
+            <a:extLst>
+              <a:ext uri="{FF2B5EF4-FFF2-40B4-BE49-F238E27FC236}">
+                <a16:creationId xmlns:a16="http://schemas.microsoft.com/office/drawing/2014/main" id="{06DA9310-790D-9BB6-A53B-01EE7CAF86E1}"/>
+              </a:ext>
+            </a:extLst>
+          </p:cNvPr>
+          <p:cNvSpPr txBox="1"/>
+          <p:nvPr/>
+        </p:nvSpPr>
+        <p:spPr>
+          <a:xfrm>
+            <a:off x="802343" y="3170780"/>
+            <a:ext cx="3570208" cy="461665"/>
+          </a:xfrm>
+          <a:prstGeom prst="rect">
+            <a:avLst/>
+          </a:prstGeom>
+          <a:noFill/>
+        </p:spPr>
+        <p:txBody>
+          <a:bodyPr wrap="none" rtlCol="0">
+            <a:spAutoFit/>
+          </a:bodyPr>
+          <a:lstStyle/>
+          <a:p>
+            <a:pPr algn="l"/>
+            <a:r>
+              <a:rPr kumimoji="1" lang="ja-JP" altLang="en-US" sz="2400" dirty="0">
+                <a:latin typeface="メイリオ" panose="020B0604030504040204" pitchFamily="50" charset="-128"/>
+                <a:ea typeface="メイリオ" panose="020B0604030504040204" pitchFamily="50" charset="-128"/>
+              </a:rPr>
+              <a:t>以下の設定をお忘れなく</a:t>
+            </a:r>
+          </a:p>
+        </p:txBody>
+      </p:sp>
     </p:spTree>
     <p:extLst>
       <p:ext uri="{BB962C8B-B14F-4D97-AF65-F5344CB8AC3E}">
-        <p14:creationId xmlns:p14="http://schemas.microsoft.com/office/powerpoint/2010/main" val="3145477665"/>
+        <p14:creationId xmlns:p14="http://schemas.microsoft.com/office/powerpoint/2010/main" val="1993033799"/>
       </p:ext>
     </p:extLst>
   </p:cSld>

--- a/anaconda.pptx
+++ b/anaconda.pptx
@@ -209,7 +209,7 @@
           <a:p>
             <a:fld id="{B176FF22-B1CA-4671-AC40-D6AD1168A308}" type="datetimeFigureOut">
               <a:rPr kumimoji="1" lang="ja-JP" altLang="en-US" smtClean="0"/>
-              <a:t>2024/4/11</a:t>
+              <a:t>2024/4/24</a:t>
             </a:fld>
             <a:endParaRPr kumimoji="1" lang="ja-JP" altLang="en-US"/>
           </a:p>
@@ -639,7 +639,7 @@
           <a:p>
             <a:fld id="{2ABC02D7-CBD1-4D33-B166-78A898DF0F76}" type="datetimeFigureOut">
               <a:rPr kumimoji="1" lang="ja-JP" altLang="en-US" smtClean="0"/>
-              <a:t>2024/4/11</a:t>
+              <a:t>2024/4/24</a:t>
             </a:fld>
             <a:endParaRPr kumimoji="1" lang="ja-JP" altLang="en-US"/>
           </a:p>
@@ -841,7 +841,7 @@
           <a:p>
             <a:fld id="{2ABC02D7-CBD1-4D33-B166-78A898DF0F76}" type="datetimeFigureOut">
               <a:rPr kumimoji="1" lang="ja-JP" altLang="en-US" smtClean="0"/>
-              <a:t>2024/4/11</a:t>
+              <a:t>2024/4/24</a:t>
             </a:fld>
             <a:endParaRPr kumimoji="1" lang="ja-JP" altLang="en-US"/>
           </a:p>
@@ -1053,7 +1053,7 @@
           <a:p>
             <a:fld id="{2ABC02D7-CBD1-4D33-B166-78A898DF0F76}" type="datetimeFigureOut">
               <a:rPr kumimoji="1" lang="ja-JP" altLang="en-US" smtClean="0"/>
-              <a:t>2024/4/11</a:t>
+              <a:t>2024/4/24</a:t>
             </a:fld>
             <a:endParaRPr kumimoji="1" lang="ja-JP" altLang="en-US"/>
           </a:p>
@@ -1286,7 +1286,7 @@
           <a:p>
             <a:fld id="{2ABC02D7-CBD1-4D33-B166-78A898DF0F76}" type="datetimeFigureOut">
               <a:rPr kumimoji="1" lang="ja-JP" altLang="en-US" smtClean="0"/>
-              <a:t>2024/4/11</a:t>
+              <a:t>2024/4/24</a:t>
             </a:fld>
             <a:endParaRPr kumimoji="1" lang="ja-JP" altLang="en-US"/>
           </a:p>
@@ -1532,7 +1532,7 @@
           <a:p>
             <a:fld id="{2ABC02D7-CBD1-4D33-B166-78A898DF0F76}" type="datetimeFigureOut">
               <a:rPr kumimoji="1" lang="ja-JP" altLang="en-US" smtClean="0"/>
-              <a:t>2024/4/11</a:t>
+              <a:t>2024/4/24</a:t>
             </a:fld>
             <a:endParaRPr kumimoji="1" lang="ja-JP" altLang="en-US"/>
           </a:p>
@@ -1828,7 +1828,7 @@
           <a:p>
             <a:fld id="{2ABC02D7-CBD1-4D33-B166-78A898DF0F76}" type="datetimeFigureOut">
               <a:rPr kumimoji="1" lang="ja-JP" altLang="en-US" smtClean="0"/>
-              <a:t>2024/4/11</a:t>
+              <a:t>2024/4/24</a:t>
             </a:fld>
             <a:endParaRPr kumimoji="1" lang="ja-JP" altLang="en-US"/>
           </a:p>
@@ -2259,7 +2259,7 @@
           <a:p>
             <a:fld id="{2ABC02D7-CBD1-4D33-B166-78A898DF0F76}" type="datetimeFigureOut">
               <a:rPr kumimoji="1" lang="ja-JP" altLang="en-US" smtClean="0"/>
-              <a:t>2024/4/11</a:t>
+              <a:t>2024/4/24</a:t>
             </a:fld>
             <a:endParaRPr kumimoji="1" lang="ja-JP" altLang="en-US"/>
           </a:p>
@@ -2377,7 +2377,7 @@
           <a:p>
             <a:fld id="{2ABC02D7-CBD1-4D33-B166-78A898DF0F76}" type="datetimeFigureOut">
               <a:rPr kumimoji="1" lang="ja-JP" altLang="en-US" smtClean="0"/>
-              <a:t>2024/4/11</a:t>
+              <a:t>2024/4/24</a:t>
             </a:fld>
             <a:endParaRPr kumimoji="1" lang="ja-JP" altLang="en-US"/>
           </a:p>
@@ -2472,7 +2472,7 @@
           <a:p>
             <a:fld id="{2ABC02D7-CBD1-4D33-B166-78A898DF0F76}" type="datetimeFigureOut">
               <a:rPr kumimoji="1" lang="ja-JP" altLang="en-US" smtClean="0"/>
-              <a:t>2024/4/11</a:t>
+              <a:t>2024/4/24</a:t>
             </a:fld>
             <a:endParaRPr kumimoji="1" lang="ja-JP" altLang="en-US"/>
           </a:p>
@@ -2781,7 +2781,7 @@
           <a:p>
             <a:fld id="{2ABC02D7-CBD1-4D33-B166-78A898DF0F76}" type="datetimeFigureOut">
               <a:rPr kumimoji="1" lang="ja-JP" altLang="en-US" smtClean="0"/>
-              <a:t>2024/4/11</a:t>
+              <a:t>2024/4/24</a:t>
             </a:fld>
             <a:endParaRPr kumimoji="1" lang="ja-JP" altLang="en-US"/>
           </a:p>
@@ -3038,7 +3038,7 @@
           <a:p>
             <a:fld id="{2ABC02D7-CBD1-4D33-B166-78A898DF0F76}" type="datetimeFigureOut">
               <a:rPr kumimoji="1" lang="ja-JP" altLang="en-US" smtClean="0"/>
-              <a:t>2024/4/11</a:t>
+              <a:t>2024/4/24</a:t>
             </a:fld>
             <a:endParaRPr kumimoji="1" lang="ja-JP" altLang="en-US"/>
           </a:p>
@@ -3283,7 +3283,7 @@
           <a:p>
             <a:fld id="{2ABC02D7-CBD1-4D33-B166-78A898DF0F76}" type="datetimeFigureOut">
               <a:rPr kumimoji="1" lang="ja-JP" altLang="en-US" smtClean="0"/>
-              <a:t>2024/4/11</a:t>
+              <a:t>2024/4/24</a:t>
             </a:fld>
             <a:endParaRPr kumimoji="1" lang="ja-JP" altLang="en-US"/>
           </a:p>
